--- a/ProgressReport/20111101ProgRepPresv1.pptx
+++ b/ProgressReport/20111101ProgRepPresv1.pptx
@@ -4,6 +4,9 @@
   <p:sldMasterIdLst>
     <p:sldMasterId id="2147483648" r:id="rId1"/>
   </p:sldMasterIdLst>
+  <p:notesMasterIdLst>
+    <p:notesMasterId r:id="rId12"/>
+  </p:notesMasterIdLst>
   <p:sldIdLst>
     <p:sldId id="256" r:id="rId2"/>
     <p:sldId id="257" r:id="rId3"/>
@@ -11,9 +14,10 @@
     <p:sldId id="264" r:id="rId5"/>
     <p:sldId id="259" r:id="rId6"/>
     <p:sldId id="261" r:id="rId7"/>
-    <p:sldId id="260" r:id="rId8"/>
-    <p:sldId id="262" r:id="rId9"/>
-    <p:sldId id="263" r:id="rId10"/>
+    <p:sldId id="265" r:id="rId8"/>
+    <p:sldId id="260" r:id="rId9"/>
+    <p:sldId id="262" r:id="rId10"/>
+    <p:sldId id="263" r:id="rId11"/>
   </p:sldIdLst>
   <p:sldSz cx="9144000" cy="6858000" type="screen4x3"/>
   <p:notesSz cx="6858000" cy="9144000"/>
@@ -115,6 +119,466 @@
 </p:presentation>
 </file>
 
+<file path=ppt/notesMasters/notesMaster1.xml><?xml version="1.0" encoding="utf-8"?>
+<p:notesMaster xmlns:a="http://schemas.openxmlformats.org/drawingml/2006/main" xmlns:r="http://schemas.openxmlformats.org/officeDocument/2006/relationships" xmlns:mc="http://schemas.openxmlformats.org/markup-compatibility/2006" xmlns:mv="urn:schemas-microsoft-com:mac:vml" xmlns:p="http://schemas.openxmlformats.org/presentationml/2006/main" mc:Ignorable="mv" mc:PreserveAttributes="mv:*">
+  <p:cSld>
+    <p:bg>
+      <p:bgRef idx="1001">
+        <a:schemeClr val="bg1"/>
+      </p:bgRef>
+    </p:bg>
+    <p:spTree>
+      <p:nvGrpSpPr>
+        <p:cNvPr id="1" name=""/>
+        <p:cNvGrpSpPr/>
+        <p:nvPr/>
+      </p:nvGrpSpPr>
+      <p:grpSpPr>
+        <a:xfrm>
+          <a:off x="0" y="0"/>
+          <a:ext cx="0" cy="0"/>
+          <a:chOff x="0" y="0"/>
+          <a:chExt cx="0" cy="0"/>
+        </a:xfrm>
+      </p:grpSpPr>
+      <p:sp>
+        <p:nvSpPr>
+          <p:cNvPr id="2" name="Header Placeholder 1"/>
+          <p:cNvSpPr>
+            <a:spLocks noGrp="1"/>
+          </p:cNvSpPr>
+          <p:nvPr>
+            <p:ph type="hdr" sz="quarter"/>
+          </p:nvPr>
+        </p:nvSpPr>
+        <p:spPr>
+          <a:xfrm>
+            <a:off x="0" y="0"/>
+            <a:ext cx="2971800" cy="457200"/>
+          </a:xfrm>
+          <a:prstGeom prst="rect">
+            <a:avLst/>
+          </a:prstGeom>
+        </p:spPr>
+        <p:txBody>
+          <a:bodyPr vert="horz" lIns="91440" tIns="45720" rIns="91440" bIns="45720" rtlCol="0"/>
+          <a:lstStyle>
+            <a:lvl1pPr algn="l">
+              <a:defRPr sz="1200"/>
+            </a:lvl1pPr>
+          </a:lstStyle>
+          <a:p>
+            <a:endParaRPr lang="en-US"/>
+          </a:p>
+        </p:txBody>
+      </p:sp>
+      <p:sp>
+        <p:nvSpPr>
+          <p:cNvPr id="3" name="Date Placeholder 2"/>
+          <p:cNvSpPr>
+            <a:spLocks noGrp="1"/>
+          </p:cNvSpPr>
+          <p:nvPr>
+            <p:ph type="dt" idx="1"/>
+          </p:nvPr>
+        </p:nvSpPr>
+        <p:spPr>
+          <a:xfrm>
+            <a:off x="3884613" y="0"/>
+            <a:ext cx="2971800" cy="457200"/>
+          </a:xfrm>
+          <a:prstGeom prst="rect">
+            <a:avLst/>
+          </a:prstGeom>
+        </p:spPr>
+        <p:txBody>
+          <a:bodyPr vert="horz" lIns="91440" tIns="45720" rIns="91440" bIns="45720" rtlCol="0"/>
+          <a:lstStyle>
+            <a:lvl1pPr algn="r">
+              <a:defRPr sz="1200"/>
+            </a:lvl1pPr>
+          </a:lstStyle>
+          <a:p>
+            <a:fld id="{5E2C8799-F3A1-7F4D-B454-24DB02F12A8B}" type="datetimeFigureOut">
+              <a:rPr lang="en-US" smtClean="0"/>
+              <a:t>11/2/11</a:t>
+            </a:fld>
+            <a:endParaRPr lang="en-US"/>
+          </a:p>
+        </p:txBody>
+      </p:sp>
+      <p:sp>
+        <p:nvSpPr>
+          <p:cNvPr id="4" name="Slide Image Placeholder 3"/>
+          <p:cNvSpPr>
+            <a:spLocks noGrp="1" noRot="1" noChangeAspect="1"/>
+          </p:cNvSpPr>
+          <p:nvPr>
+            <p:ph type="sldImg" idx="2"/>
+          </p:nvPr>
+        </p:nvSpPr>
+        <p:spPr>
+          <a:xfrm>
+            <a:off x="1143000" y="685800"/>
+            <a:ext cx="4572000" cy="3429000"/>
+          </a:xfrm>
+          <a:prstGeom prst="rect">
+            <a:avLst/>
+          </a:prstGeom>
+          <a:noFill/>
+          <a:ln w="12700">
+            <a:solidFill>
+              <a:prstClr val="black"/>
+            </a:solidFill>
+          </a:ln>
+        </p:spPr>
+        <p:txBody>
+          <a:bodyPr vert="horz" lIns="91440" tIns="45720" rIns="91440" bIns="45720" rtlCol="0" anchor="ctr"/>
+          <a:lstStyle/>
+          <a:p>
+            <a:endParaRPr lang="en-US"/>
+          </a:p>
+        </p:txBody>
+      </p:sp>
+      <p:sp>
+        <p:nvSpPr>
+          <p:cNvPr id="5" name="Notes Placeholder 4"/>
+          <p:cNvSpPr>
+            <a:spLocks noGrp="1"/>
+          </p:cNvSpPr>
+          <p:nvPr>
+            <p:ph type="body" sz="quarter" idx="3"/>
+          </p:nvPr>
+        </p:nvSpPr>
+        <p:spPr>
+          <a:xfrm>
+            <a:off x="685800" y="4343400"/>
+            <a:ext cx="5486400" cy="4114800"/>
+          </a:xfrm>
+          <a:prstGeom prst="rect">
+            <a:avLst/>
+          </a:prstGeom>
+        </p:spPr>
+        <p:txBody>
+          <a:bodyPr vert="horz" lIns="91440" tIns="45720" rIns="91440" bIns="45720" rtlCol="0">
+            <a:normAutofit/>
+          </a:bodyPr>
+          <a:lstStyle/>
+          <a:p>
+            <a:pPr lvl="0"/>
+            <a:r>
+              <a:rPr lang="en-US" smtClean="0"/>
+              <a:t>Click to edit Master text styles</a:t>
+            </a:r>
+          </a:p>
+          <a:p>
+            <a:pPr lvl="1"/>
+            <a:r>
+              <a:rPr lang="en-US" smtClean="0"/>
+              <a:t>Second level</a:t>
+            </a:r>
+          </a:p>
+          <a:p>
+            <a:pPr lvl="2"/>
+            <a:r>
+              <a:rPr lang="en-US" smtClean="0"/>
+              <a:t>Third level</a:t>
+            </a:r>
+          </a:p>
+          <a:p>
+            <a:pPr lvl="3"/>
+            <a:r>
+              <a:rPr lang="en-US" smtClean="0"/>
+              <a:t>Fourth level</a:t>
+            </a:r>
+          </a:p>
+          <a:p>
+            <a:pPr lvl="4"/>
+            <a:r>
+              <a:rPr lang="en-US" smtClean="0"/>
+              <a:t>Fifth level</a:t>
+            </a:r>
+            <a:endParaRPr lang="en-US"/>
+          </a:p>
+        </p:txBody>
+      </p:sp>
+      <p:sp>
+        <p:nvSpPr>
+          <p:cNvPr id="6" name="Footer Placeholder 5"/>
+          <p:cNvSpPr>
+            <a:spLocks noGrp="1"/>
+          </p:cNvSpPr>
+          <p:nvPr>
+            <p:ph type="ftr" sz="quarter" idx="4"/>
+          </p:nvPr>
+        </p:nvSpPr>
+        <p:spPr>
+          <a:xfrm>
+            <a:off x="0" y="8685213"/>
+            <a:ext cx="2971800" cy="457200"/>
+          </a:xfrm>
+          <a:prstGeom prst="rect">
+            <a:avLst/>
+          </a:prstGeom>
+        </p:spPr>
+        <p:txBody>
+          <a:bodyPr vert="horz" lIns="91440" tIns="45720" rIns="91440" bIns="45720" rtlCol="0" anchor="b"/>
+          <a:lstStyle>
+            <a:lvl1pPr algn="l">
+              <a:defRPr sz="1200"/>
+            </a:lvl1pPr>
+          </a:lstStyle>
+          <a:p>
+            <a:endParaRPr lang="en-US"/>
+          </a:p>
+        </p:txBody>
+      </p:sp>
+      <p:sp>
+        <p:nvSpPr>
+          <p:cNvPr id="7" name="Slide Number Placeholder 6"/>
+          <p:cNvSpPr>
+            <a:spLocks noGrp="1"/>
+          </p:cNvSpPr>
+          <p:nvPr>
+            <p:ph type="sldNum" sz="quarter" idx="5"/>
+          </p:nvPr>
+        </p:nvSpPr>
+        <p:spPr>
+          <a:xfrm>
+            <a:off x="3884613" y="8685213"/>
+            <a:ext cx="2971800" cy="457200"/>
+          </a:xfrm>
+          <a:prstGeom prst="rect">
+            <a:avLst/>
+          </a:prstGeom>
+        </p:spPr>
+        <p:txBody>
+          <a:bodyPr vert="horz" lIns="91440" tIns="45720" rIns="91440" bIns="45720" rtlCol="0" anchor="b"/>
+          <a:lstStyle>
+            <a:lvl1pPr algn="r">
+              <a:defRPr sz="1200"/>
+            </a:lvl1pPr>
+          </a:lstStyle>
+          <a:p>
+            <a:fld id="{5E8F94D6-25B7-E54E-B9E8-5A4CF3D2C32A}" type="slidenum">
+              <a:rPr lang="en-US" smtClean="0"/>
+              <a:t>‹#›</a:t>
+            </a:fld>
+            <a:endParaRPr lang="en-US"/>
+          </a:p>
+        </p:txBody>
+      </p:sp>
+    </p:spTree>
+  </p:cSld>
+  <p:clrMap bg1="lt1" tx1="dk1" bg2="lt2" tx2="dk2" accent1="accent1" accent2="accent2" accent3="accent3" accent4="accent4" accent5="accent5" accent6="accent6" hlink="hlink" folHlink="folHlink"/>
+  <p:notesStyle>
+    <a:lvl1pPr marL="0" algn="l" defTabSz="457200" rtl="0" eaLnBrk="1" latinLnBrk="0" hangingPunct="1">
+      <a:defRPr sz="1200" kern="1200">
+        <a:solidFill>
+          <a:schemeClr val="tx1"/>
+        </a:solidFill>
+        <a:latin typeface="+mn-lt"/>
+        <a:ea typeface="+mn-ea"/>
+        <a:cs typeface="+mn-cs"/>
+      </a:defRPr>
+    </a:lvl1pPr>
+    <a:lvl2pPr marL="457200" algn="l" defTabSz="457200" rtl="0" eaLnBrk="1" latinLnBrk="0" hangingPunct="1">
+      <a:defRPr sz="1200" kern="1200">
+        <a:solidFill>
+          <a:schemeClr val="tx1"/>
+        </a:solidFill>
+        <a:latin typeface="+mn-lt"/>
+        <a:ea typeface="+mn-ea"/>
+        <a:cs typeface="+mn-cs"/>
+      </a:defRPr>
+    </a:lvl2pPr>
+    <a:lvl3pPr marL="914400" algn="l" defTabSz="457200" rtl="0" eaLnBrk="1" latinLnBrk="0" hangingPunct="1">
+      <a:defRPr sz="1200" kern="1200">
+        <a:solidFill>
+          <a:schemeClr val="tx1"/>
+        </a:solidFill>
+        <a:latin typeface="+mn-lt"/>
+        <a:ea typeface="+mn-ea"/>
+        <a:cs typeface="+mn-cs"/>
+      </a:defRPr>
+    </a:lvl3pPr>
+    <a:lvl4pPr marL="1371600" algn="l" defTabSz="457200" rtl="0" eaLnBrk="1" latinLnBrk="0" hangingPunct="1">
+      <a:defRPr sz="1200" kern="1200">
+        <a:solidFill>
+          <a:schemeClr val="tx1"/>
+        </a:solidFill>
+        <a:latin typeface="+mn-lt"/>
+        <a:ea typeface="+mn-ea"/>
+        <a:cs typeface="+mn-cs"/>
+      </a:defRPr>
+    </a:lvl4pPr>
+    <a:lvl5pPr marL="1828800" algn="l" defTabSz="457200" rtl="0" eaLnBrk="1" latinLnBrk="0" hangingPunct="1">
+      <a:defRPr sz="1200" kern="1200">
+        <a:solidFill>
+          <a:schemeClr val="tx1"/>
+        </a:solidFill>
+        <a:latin typeface="+mn-lt"/>
+        <a:ea typeface="+mn-ea"/>
+        <a:cs typeface="+mn-cs"/>
+      </a:defRPr>
+    </a:lvl5pPr>
+    <a:lvl6pPr marL="2286000" algn="l" defTabSz="457200" rtl="0" eaLnBrk="1" latinLnBrk="0" hangingPunct="1">
+      <a:defRPr sz="1200" kern="1200">
+        <a:solidFill>
+          <a:schemeClr val="tx1"/>
+        </a:solidFill>
+        <a:latin typeface="+mn-lt"/>
+        <a:ea typeface="+mn-ea"/>
+        <a:cs typeface="+mn-cs"/>
+      </a:defRPr>
+    </a:lvl6pPr>
+    <a:lvl7pPr marL="2743200" algn="l" defTabSz="457200" rtl="0" eaLnBrk="1" latinLnBrk="0" hangingPunct="1">
+      <a:defRPr sz="1200" kern="1200">
+        <a:solidFill>
+          <a:schemeClr val="tx1"/>
+        </a:solidFill>
+        <a:latin typeface="+mn-lt"/>
+        <a:ea typeface="+mn-ea"/>
+        <a:cs typeface="+mn-cs"/>
+      </a:defRPr>
+    </a:lvl7pPr>
+    <a:lvl8pPr marL="3200400" algn="l" defTabSz="457200" rtl="0" eaLnBrk="1" latinLnBrk="0" hangingPunct="1">
+      <a:defRPr sz="1200" kern="1200">
+        <a:solidFill>
+          <a:schemeClr val="tx1"/>
+        </a:solidFill>
+        <a:latin typeface="+mn-lt"/>
+        <a:ea typeface="+mn-ea"/>
+        <a:cs typeface="+mn-cs"/>
+      </a:defRPr>
+    </a:lvl8pPr>
+    <a:lvl9pPr marL="3657600" algn="l" defTabSz="457200" rtl="0" eaLnBrk="1" latinLnBrk="0" hangingPunct="1">
+      <a:defRPr sz="1200" kern="1200">
+        <a:solidFill>
+          <a:schemeClr val="tx1"/>
+        </a:solidFill>
+        <a:latin typeface="+mn-lt"/>
+        <a:ea typeface="+mn-ea"/>
+        <a:cs typeface="+mn-cs"/>
+      </a:defRPr>
+    </a:lvl9pPr>
+  </p:notesStyle>
+</p:notesMaster>
+</file>
+
+<file path=ppt/notesSlides/notesSlide1.xml><?xml version="1.0" encoding="utf-8"?>
+<p:notes xmlns:a="http://schemas.openxmlformats.org/drawingml/2006/main" xmlns:r="http://schemas.openxmlformats.org/officeDocument/2006/relationships" xmlns:mc="http://schemas.openxmlformats.org/markup-compatibility/2006" xmlns:mv="urn:schemas-microsoft-com:mac:vml" xmlns:p="http://schemas.openxmlformats.org/presentationml/2006/main" mc:Ignorable="mv" mc:PreserveAttributes="mv:*">
+  <p:cSld>
+    <p:spTree>
+      <p:nvGrpSpPr>
+        <p:cNvPr id="1" name=""/>
+        <p:cNvGrpSpPr/>
+        <p:nvPr/>
+      </p:nvGrpSpPr>
+      <p:grpSpPr>
+        <a:xfrm>
+          <a:off x="0" y="0"/>
+          <a:ext cx="0" cy="0"/>
+          <a:chOff x="0" y="0"/>
+          <a:chExt cx="0" cy="0"/>
+        </a:xfrm>
+      </p:grpSpPr>
+      <p:sp>
+        <p:nvSpPr>
+          <p:cNvPr id="2" name="Slide Image Placeholder 1"/>
+          <p:cNvSpPr>
+            <a:spLocks noGrp="1" noRot="1" noChangeAspect="1"/>
+          </p:cNvSpPr>
+          <p:nvPr>
+            <p:ph type="sldImg"/>
+          </p:nvPr>
+        </p:nvSpPr>
+        <p:spPr/>
+      </p:sp>
+      <p:sp>
+        <p:nvSpPr>
+          <p:cNvPr id="3" name="Notes Placeholder 2"/>
+          <p:cNvSpPr>
+            <a:spLocks noGrp="1"/>
+          </p:cNvSpPr>
+          <p:nvPr>
+            <p:ph type="body" idx="1"/>
+          </p:nvPr>
+        </p:nvSpPr>
+        <p:spPr/>
+        <p:txBody>
+          <a:bodyPr>
+            <a:normAutofit/>
+          </a:bodyPr>
+          <a:lstStyle/>
+          <a:p>
+            <a:pPr lvl="1"/>
+            <a:r>
+              <a:rPr lang="en-US" dirty="0" smtClean="0"/>
+              <a:t>Attributes of friends wanted to share with/not share with</a:t>
+            </a:r>
+          </a:p>
+          <a:p>
+            <a:pPr lvl="1"/>
+            <a:r>
+              <a:rPr lang="en-US" dirty="0" smtClean="0"/>
+              <a:t>Attributes of content</a:t>
+            </a:r>
+          </a:p>
+          <a:p>
+            <a:pPr lvl="1"/>
+            <a:r>
+              <a:rPr lang="en-US" dirty="0" smtClean="0"/>
+              <a:t>Privacy preferences</a:t>
+            </a:r>
+          </a:p>
+          <a:p>
+            <a:pPr lvl="1"/>
+            <a:r>
+              <a:rPr lang="en-US" dirty="0" smtClean="0"/>
+              <a:t>Current grouping and sharing</a:t>
+            </a:r>
+          </a:p>
+          <a:p>
+            <a:pPr lvl="1"/>
+            <a:endParaRPr lang="en-US" dirty="0" smtClean="0"/>
+          </a:p>
+          <a:p>
+            <a:endParaRPr lang="en-US" dirty="0"/>
+          </a:p>
+        </p:txBody>
+      </p:sp>
+      <p:sp>
+        <p:nvSpPr>
+          <p:cNvPr id="4" name="Slide Number Placeholder 3"/>
+          <p:cNvSpPr>
+            <a:spLocks noGrp="1"/>
+          </p:cNvSpPr>
+          <p:nvPr>
+            <p:ph type="sldNum" sz="quarter" idx="10"/>
+          </p:nvPr>
+        </p:nvSpPr>
+        <p:spPr/>
+        <p:txBody>
+          <a:bodyPr/>
+          <a:lstStyle/>
+          <a:p>
+            <a:fld id="{5E8F94D6-25B7-E54E-B9E8-5A4CF3D2C32A}" type="slidenum">
+              <a:rPr lang="en-US" smtClean="0"/>
+              <a:t>8</a:t>
+            </a:fld>
+            <a:endParaRPr lang="en-US"/>
+          </a:p>
+        </p:txBody>
+      </p:sp>
+    </p:spTree>
+  </p:cSld>
+  <p:clrMapOvr>
+    <a:masterClrMapping/>
+  </p:clrMapOvr>
+</p:notes>
+</file>
+
 <file path=ppt/slideLayouts/slideLayout1.xml><?xml version="1.0" encoding="utf-8"?>
 <p:sldLayout xmlns:a="http://schemas.openxmlformats.org/drawingml/2006/main" xmlns:r="http://schemas.openxmlformats.org/officeDocument/2006/relationships" xmlns:mc="http://schemas.openxmlformats.org/markup-compatibility/2006" xmlns:mv="urn:schemas-microsoft-com:mac:vml" xmlns:p="http://schemas.openxmlformats.org/presentationml/2006/main" mc:Ignorable="mv" mc:PreserveAttributes="mv:*" type="title" preserve="1">
   <p:cSld name="Title Slide">
@@ -349,7 +813,7 @@
     </p:spTree>
     <p:extLst>
       <p:ext uri="{BB962C8B-B14F-4D97-AF65-F5344CB8AC3E}">
-        <p14:creationId xmlns:p14="http://schemas.microsoft.com/office/powerpoint/2010/main" xmlns:p="http://schemas.openxmlformats.org/presentationml/2006/main" xmlns:r="http://schemas.openxmlformats.org/officeDocument/2006/relationships" xmlns:a="http://schemas.openxmlformats.org/drawingml/2006/main" xmlns="" val="3430237613"/>
+        <p14:creationId xmlns="" xmlns:a="http://schemas.openxmlformats.org/drawingml/2006/main" xmlns:r="http://schemas.openxmlformats.org/officeDocument/2006/relationships" xmlns:p="http://schemas.openxmlformats.org/presentationml/2006/main" xmlns:p14="http://schemas.microsoft.com/office/powerpoint/2010/main" xmlns:mv="urn:schemas-microsoft-com:mac:vml" xmlns:mc="http://schemas.openxmlformats.org/markup-compatibility/2006" val="3430237613"/>
       </p:ext>
     </p:extLst>
   </p:cSld>
@@ -521,7 +985,7 @@
     </p:spTree>
     <p:extLst>
       <p:ext uri="{BB962C8B-B14F-4D97-AF65-F5344CB8AC3E}">
-        <p14:creationId xmlns:p14="http://schemas.microsoft.com/office/powerpoint/2010/main" xmlns:p="http://schemas.openxmlformats.org/presentationml/2006/main" xmlns:r="http://schemas.openxmlformats.org/officeDocument/2006/relationships" xmlns:a="http://schemas.openxmlformats.org/drawingml/2006/main" xmlns="" val="3301602369"/>
+        <p14:creationId xmlns="" xmlns:a="http://schemas.openxmlformats.org/drawingml/2006/main" xmlns:r="http://schemas.openxmlformats.org/officeDocument/2006/relationships" xmlns:p="http://schemas.openxmlformats.org/presentationml/2006/main" xmlns:p14="http://schemas.microsoft.com/office/powerpoint/2010/main" xmlns:mv="urn:schemas-microsoft-com:mac:vml" xmlns:mc="http://schemas.openxmlformats.org/markup-compatibility/2006" val="3301602369"/>
       </p:ext>
     </p:extLst>
   </p:cSld>
@@ -703,7 +1167,7 @@
     </p:spTree>
     <p:extLst>
       <p:ext uri="{BB962C8B-B14F-4D97-AF65-F5344CB8AC3E}">
-        <p14:creationId xmlns:p14="http://schemas.microsoft.com/office/powerpoint/2010/main" xmlns:p="http://schemas.openxmlformats.org/presentationml/2006/main" xmlns:r="http://schemas.openxmlformats.org/officeDocument/2006/relationships" xmlns:a="http://schemas.openxmlformats.org/drawingml/2006/main" xmlns="" val="2713151132"/>
+        <p14:creationId xmlns="" xmlns:a="http://schemas.openxmlformats.org/drawingml/2006/main" xmlns:r="http://schemas.openxmlformats.org/officeDocument/2006/relationships" xmlns:p="http://schemas.openxmlformats.org/presentationml/2006/main" xmlns:p14="http://schemas.microsoft.com/office/powerpoint/2010/main" xmlns:mv="urn:schemas-microsoft-com:mac:vml" xmlns:mc="http://schemas.openxmlformats.org/markup-compatibility/2006" val="2713151132"/>
       </p:ext>
     </p:extLst>
   </p:cSld>
@@ -875,7 +1339,7 @@
     </p:spTree>
     <p:extLst>
       <p:ext uri="{BB962C8B-B14F-4D97-AF65-F5344CB8AC3E}">
-        <p14:creationId xmlns:p14="http://schemas.microsoft.com/office/powerpoint/2010/main" xmlns:p="http://schemas.openxmlformats.org/presentationml/2006/main" xmlns:r="http://schemas.openxmlformats.org/officeDocument/2006/relationships" xmlns:a="http://schemas.openxmlformats.org/drawingml/2006/main" xmlns="" val="1457998794"/>
+        <p14:creationId xmlns="" xmlns:a="http://schemas.openxmlformats.org/drawingml/2006/main" xmlns:r="http://schemas.openxmlformats.org/officeDocument/2006/relationships" xmlns:p="http://schemas.openxmlformats.org/presentationml/2006/main" xmlns:p14="http://schemas.microsoft.com/office/powerpoint/2010/main" xmlns:mv="urn:schemas-microsoft-com:mac:vml" xmlns:mc="http://schemas.openxmlformats.org/markup-compatibility/2006" val="1457998794"/>
       </p:ext>
     </p:extLst>
   </p:cSld>
@@ -1123,7 +1587,7 @@
     </p:spTree>
     <p:extLst>
       <p:ext uri="{BB962C8B-B14F-4D97-AF65-F5344CB8AC3E}">
-        <p14:creationId xmlns:p14="http://schemas.microsoft.com/office/powerpoint/2010/main" xmlns:p="http://schemas.openxmlformats.org/presentationml/2006/main" xmlns:r="http://schemas.openxmlformats.org/officeDocument/2006/relationships" xmlns:a="http://schemas.openxmlformats.org/drawingml/2006/main" xmlns="" val="1790945515"/>
+        <p14:creationId xmlns="" xmlns:a="http://schemas.openxmlformats.org/drawingml/2006/main" xmlns:r="http://schemas.openxmlformats.org/officeDocument/2006/relationships" xmlns:p="http://schemas.openxmlformats.org/presentationml/2006/main" xmlns:p14="http://schemas.microsoft.com/office/powerpoint/2010/main" xmlns:mv="urn:schemas-microsoft-com:mac:vml" xmlns:mc="http://schemas.openxmlformats.org/markup-compatibility/2006" val="1790945515"/>
       </p:ext>
     </p:extLst>
   </p:cSld>
@@ -1413,7 +1877,7 @@
     </p:spTree>
     <p:extLst>
       <p:ext uri="{BB962C8B-B14F-4D97-AF65-F5344CB8AC3E}">
-        <p14:creationId xmlns:p14="http://schemas.microsoft.com/office/powerpoint/2010/main" xmlns:p="http://schemas.openxmlformats.org/presentationml/2006/main" xmlns:r="http://schemas.openxmlformats.org/officeDocument/2006/relationships" xmlns:a="http://schemas.openxmlformats.org/drawingml/2006/main" xmlns="" val="635387638"/>
+        <p14:creationId xmlns="" xmlns:a="http://schemas.openxmlformats.org/drawingml/2006/main" xmlns:r="http://schemas.openxmlformats.org/officeDocument/2006/relationships" xmlns:p="http://schemas.openxmlformats.org/presentationml/2006/main" xmlns:p14="http://schemas.microsoft.com/office/powerpoint/2010/main" xmlns:mv="urn:schemas-microsoft-com:mac:vml" xmlns:mc="http://schemas.openxmlformats.org/markup-compatibility/2006" val="635387638"/>
       </p:ext>
     </p:extLst>
   </p:cSld>
@@ -1837,7 +2301,7 @@
     </p:spTree>
     <p:extLst>
       <p:ext uri="{BB962C8B-B14F-4D97-AF65-F5344CB8AC3E}">
-        <p14:creationId xmlns:p14="http://schemas.microsoft.com/office/powerpoint/2010/main" xmlns:p="http://schemas.openxmlformats.org/presentationml/2006/main" xmlns:r="http://schemas.openxmlformats.org/officeDocument/2006/relationships" xmlns:a="http://schemas.openxmlformats.org/drawingml/2006/main" xmlns="" val="1726090686"/>
+        <p14:creationId xmlns="" xmlns:a="http://schemas.openxmlformats.org/drawingml/2006/main" xmlns:r="http://schemas.openxmlformats.org/officeDocument/2006/relationships" xmlns:p="http://schemas.openxmlformats.org/presentationml/2006/main" xmlns:p14="http://schemas.microsoft.com/office/powerpoint/2010/main" xmlns:mv="urn:schemas-microsoft-com:mac:vml" xmlns:mc="http://schemas.openxmlformats.org/markup-compatibility/2006" val="1726090686"/>
       </p:ext>
     </p:extLst>
   </p:cSld>
@@ -1957,7 +2421,7 @@
     </p:spTree>
     <p:extLst>
       <p:ext uri="{BB962C8B-B14F-4D97-AF65-F5344CB8AC3E}">
-        <p14:creationId xmlns:p14="http://schemas.microsoft.com/office/powerpoint/2010/main" xmlns:p="http://schemas.openxmlformats.org/presentationml/2006/main" xmlns:r="http://schemas.openxmlformats.org/officeDocument/2006/relationships" xmlns:a="http://schemas.openxmlformats.org/drawingml/2006/main" xmlns="" val="1481317639"/>
+        <p14:creationId xmlns="" xmlns:a="http://schemas.openxmlformats.org/drawingml/2006/main" xmlns:r="http://schemas.openxmlformats.org/officeDocument/2006/relationships" xmlns:p="http://schemas.openxmlformats.org/presentationml/2006/main" xmlns:p14="http://schemas.microsoft.com/office/powerpoint/2010/main" xmlns:mv="urn:schemas-microsoft-com:mac:vml" xmlns:mc="http://schemas.openxmlformats.org/markup-compatibility/2006" val="1481317639"/>
       </p:ext>
     </p:extLst>
   </p:cSld>
@@ -2054,7 +2518,7 @@
     </p:spTree>
     <p:extLst>
       <p:ext uri="{BB962C8B-B14F-4D97-AF65-F5344CB8AC3E}">
-        <p14:creationId xmlns:p14="http://schemas.microsoft.com/office/powerpoint/2010/main" xmlns:p="http://schemas.openxmlformats.org/presentationml/2006/main" xmlns:r="http://schemas.openxmlformats.org/officeDocument/2006/relationships" xmlns:a="http://schemas.openxmlformats.org/drawingml/2006/main" xmlns="" val="1510608883"/>
+        <p14:creationId xmlns="" xmlns:a="http://schemas.openxmlformats.org/drawingml/2006/main" xmlns:r="http://schemas.openxmlformats.org/officeDocument/2006/relationships" xmlns:p="http://schemas.openxmlformats.org/presentationml/2006/main" xmlns:p14="http://schemas.microsoft.com/office/powerpoint/2010/main" xmlns:mv="urn:schemas-microsoft-com:mac:vml" xmlns:mc="http://schemas.openxmlformats.org/markup-compatibility/2006" val="1510608883"/>
       </p:ext>
     </p:extLst>
   </p:cSld>
@@ -2333,7 +2797,7 @@
     </p:spTree>
     <p:extLst>
       <p:ext uri="{BB962C8B-B14F-4D97-AF65-F5344CB8AC3E}">
-        <p14:creationId xmlns:p14="http://schemas.microsoft.com/office/powerpoint/2010/main" xmlns:p="http://schemas.openxmlformats.org/presentationml/2006/main" xmlns:r="http://schemas.openxmlformats.org/officeDocument/2006/relationships" xmlns:a="http://schemas.openxmlformats.org/drawingml/2006/main" xmlns="" val="4206787940"/>
+        <p14:creationId xmlns="" xmlns:a="http://schemas.openxmlformats.org/drawingml/2006/main" xmlns:r="http://schemas.openxmlformats.org/officeDocument/2006/relationships" xmlns:p="http://schemas.openxmlformats.org/presentationml/2006/main" xmlns:p14="http://schemas.microsoft.com/office/powerpoint/2010/main" xmlns:mv="urn:schemas-microsoft-com:mac:vml" xmlns:mc="http://schemas.openxmlformats.org/markup-compatibility/2006" val="4206787940"/>
       </p:ext>
     </p:extLst>
   </p:cSld>
@@ -2588,7 +3052,7 @@
     </p:spTree>
     <p:extLst>
       <p:ext uri="{BB962C8B-B14F-4D97-AF65-F5344CB8AC3E}">
-        <p14:creationId xmlns:p14="http://schemas.microsoft.com/office/powerpoint/2010/main" xmlns:p="http://schemas.openxmlformats.org/presentationml/2006/main" xmlns:r="http://schemas.openxmlformats.org/officeDocument/2006/relationships" xmlns:a="http://schemas.openxmlformats.org/drawingml/2006/main" xmlns="" val="1166679403"/>
+        <p14:creationId xmlns="" xmlns:a="http://schemas.openxmlformats.org/drawingml/2006/main" xmlns:r="http://schemas.openxmlformats.org/officeDocument/2006/relationships" xmlns:p="http://schemas.openxmlformats.org/presentationml/2006/main" xmlns:p14="http://schemas.microsoft.com/office/powerpoint/2010/main" xmlns:mv="urn:schemas-microsoft-com:mac:vml" xmlns:mc="http://schemas.openxmlformats.org/markup-compatibility/2006" val="1166679403"/>
       </p:ext>
     </p:extLst>
   </p:cSld>
@@ -2839,7 +3303,7 @@
     </p:spTree>
     <p:extLst>
       <p:ext uri="{BB962C8B-B14F-4D97-AF65-F5344CB8AC3E}">
-        <p14:creationId xmlns:p14="http://schemas.microsoft.com/office/powerpoint/2010/main" xmlns:p="http://schemas.openxmlformats.org/presentationml/2006/main" xmlns:r="http://schemas.openxmlformats.org/officeDocument/2006/relationships" xmlns:a="http://schemas.openxmlformats.org/drawingml/2006/main" xmlns="" val="2015417424"/>
+        <p14:creationId xmlns="" xmlns:a="http://schemas.openxmlformats.org/drawingml/2006/main" xmlns:r="http://schemas.openxmlformats.org/officeDocument/2006/relationships" xmlns:p="http://schemas.openxmlformats.org/presentationml/2006/main" xmlns:p14="http://schemas.microsoft.com/office/powerpoint/2010/main" xmlns:mv="urn:schemas-microsoft-com:mac:vml" xmlns:mc="http://schemas.openxmlformats.org/markup-compatibility/2006" val="2015417424"/>
       </p:ext>
     </p:extLst>
   </p:cSld>
@@ -3195,7 +3659,111 @@
     </p:spTree>
     <p:extLst>
       <p:ext uri="{BB962C8B-B14F-4D97-AF65-F5344CB8AC3E}">
-        <p14:creationId xmlns:p14="http://schemas.microsoft.com/office/powerpoint/2010/main" xmlns:p="http://schemas.openxmlformats.org/presentationml/2006/main" xmlns:r="http://schemas.openxmlformats.org/officeDocument/2006/relationships" xmlns:a="http://schemas.openxmlformats.org/drawingml/2006/main" xmlns="" val="2286542096"/>
+        <p14:creationId xmlns="" xmlns:a="http://schemas.openxmlformats.org/drawingml/2006/main" xmlns:r="http://schemas.openxmlformats.org/officeDocument/2006/relationships" xmlns:p="http://schemas.openxmlformats.org/presentationml/2006/main" xmlns:p14="http://schemas.microsoft.com/office/powerpoint/2010/main" xmlns:mv="urn:schemas-microsoft-com:mac:vml" xmlns:mc="http://schemas.openxmlformats.org/markup-compatibility/2006" val="2286542096"/>
+      </p:ext>
+    </p:extLst>
+  </p:cSld>
+  <p:clrMapOvr>
+    <a:masterClrMapping/>
+  </p:clrMapOvr>
+</p:sld>
+</file>
+
+<file path=ppt/slides/slide10.xml><?xml version="1.0" encoding="utf-8"?>
+<p:sld xmlns:a="http://schemas.openxmlformats.org/drawingml/2006/main" xmlns:r="http://schemas.openxmlformats.org/officeDocument/2006/relationships" xmlns:mc="http://schemas.openxmlformats.org/markup-compatibility/2006" xmlns:mv="urn:schemas-microsoft-com:mac:vml" xmlns:p="http://schemas.openxmlformats.org/presentationml/2006/main" mc:Ignorable="mv" mc:PreserveAttributes="mv:*">
+  <p:cSld>
+    <p:spTree>
+      <p:nvGrpSpPr>
+        <p:cNvPr id="1" name=""/>
+        <p:cNvGrpSpPr/>
+        <p:nvPr/>
+      </p:nvGrpSpPr>
+      <p:grpSpPr>
+        <a:xfrm>
+          <a:off x="0" y="0"/>
+          <a:ext cx="0" cy="0"/>
+          <a:chOff x="0" y="0"/>
+          <a:chExt cx="0" cy="0"/>
+        </a:xfrm>
+      </p:grpSpPr>
+      <p:sp>
+        <p:nvSpPr>
+          <p:cNvPr id="2" name="Title 1"/>
+          <p:cNvSpPr>
+            <a:spLocks noGrp="1"/>
+          </p:cNvSpPr>
+          <p:nvPr>
+            <p:ph type="title"/>
+          </p:nvPr>
+        </p:nvSpPr>
+        <p:spPr/>
+        <p:txBody>
+          <a:bodyPr/>
+          <a:lstStyle/>
+          <a:p>
+            <a:r>
+              <a:rPr lang="en-US" dirty="0" smtClean="0"/>
+              <a:t>Progress and next steps</a:t>
+            </a:r>
+            <a:endParaRPr lang="en-US" dirty="0"/>
+          </a:p>
+        </p:txBody>
+      </p:sp>
+      <p:sp>
+        <p:nvSpPr>
+          <p:cNvPr id="3" name="Content Placeholder 2"/>
+          <p:cNvSpPr>
+            <a:spLocks noGrp="1"/>
+          </p:cNvSpPr>
+          <p:nvPr>
+            <p:ph idx="1"/>
+          </p:nvPr>
+        </p:nvSpPr>
+        <p:spPr/>
+        <p:txBody>
+          <a:bodyPr/>
+          <a:lstStyle/>
+          <a:p>
+            <a:r>
+              <a:rPr lang="en-US" dirty="0" smtClean="0"/>
+              <a:t>New IRB submitted</a:t>
+            </a:r>
+            <a:endParaRPr lang="en-US" dirty="0" smtClean="0"/>
+          </a:p>
+          <a:p>
+            <a:r>
+              <a:rPr lang="en-US" dirty="0" smtClean="0"/>
+              <a:t>Technology infrastructure prototyped</a:t>
+            </a:r>
+          </a:p>
+          <a:p>
+            <a:r>
+              <a:rPr lang="en-US" dirty="0" smtClean="0"/>
+              <a:t>Plan to pilot </a:t>
+            </a:r>
+            <a:r>
+              <a:rPr lang="en-US" dirty="0" smtClean="0"/>
+              <a:t>on our friends while waiting for </a:t>
+            </a:r>
+            <a:r>
+              <a:rPr lang="en-US" dirty="0" smtClean="0"/>
+              <a:t>IRB</a:t>
+            </a:r>
+          </a:p>
+          <a:p>
+            <a:pPr lvl="1"/>
+            <a:r>
+              <a:rPr lang="en-US" dirty="0" smtClean="0"/>
+              <a:t>Volunteers? Super fun and earn a cookie (the good kind)!</a:t>
+            </a:r>
+            <a:endParaRPr lang="en-US" dirty="0"/>
+          </a:p>
+        </p:txBody>
+      </p:sp>
+    </p:spTree>
+    <p:extLst>
+      <p:ext uri="{BB962C8B-B14F-4D97-AF65-F5344CB8AC3E}">
+        <p14:creationId xmlns="" xmlns:a="http://schemas.openxmlformats.org/drawingml/2006/main" xmlns:r="http://schemas.openxmlformats.org/officeDocument/2006/relationships" xmlns:p="http://schemas.openxmlformats.org/presentationml/2006/main" xmlns:p14="http://schemas.microsoft.com/office/powerpoint/2010/main" xmlns:mv="urn:schemas-microsoft-com:mac:vml" xmlns:mc="http://schemas.openxmlformats.org/markup-compatibility/2006" val="3866864876"/>
       </p:ext>
     </p:extLst>
   </p:cSld>
@@ -3239,11 +3807,7 @@
           <a:p>
             <a:r>
               <a:rPr lang="en-US" dirty="0" smtClean="0"/>
-              <a:t>High </a:t>
-            </a:r>
-            <a:r>
-              <a:rPr lang="en-US" dirty="0" smtClean="0"/>
-              <a:t>Level Objectives</a:t>
+              <a:t>High Level Objectives</a:t>
             </a:r>
             <a:endParaRPr lang="en-US" dirty="0"/>
           </a:p>
@@ -3266,11 +3830,7 @@
           <a:p>
             <a:r>
               <a:rPr lang="en-US" dirty="0" smtClean="0"/>
-              <a:t>Understand </a:t>
-            </a:r>
-            <a:r>
-              <a:rPr lang="en-US" dirty="0" smtClean="0"/>
-              <a:t>groupings of friends for privacy decisions</a:t>
+              <a:t>Understand groupings of friends for privacy decisions</a:t>
             </a:r>
           </a:p>
           <a:p>
@@ -3284,7 +3844,11 @@
             <a:pPr lvl="1"/>
             <a:r>
               <a:rPr lang="en-US" dirty="0" smtClean="0"/>
-              <a:t>Friends that want to share with</a:t>
+              <a:t>Friends that</a:t>
+            </a:r>
+            <a:r>
+              <a:rPr lang="en-US" dirty="0" smtClean="0"/>
+              <a:t> promote sharing</a:t>
             </a:r>
           </a:p>
           <a:p>
@@ -3297,20 +3861,15 @@
           <a:p>
             <a:r>
               <a:rPr lang="en-US" dirty="0" smtClean="0"/>
-              <a:t>First step to create default </a:t>
-            </a:r>
-            <a:r>
-              <a:rPr lang="en-US" dirty="0" smtClean="0"/>
-              <a:t>groups, suggestions for groups</a:t>
-            </a:r>
-            <a:endParaRPr lang="en-US" dirty="0" smtClean="0"/>
+              <a:t>First step to create default groups, suggestions for groups</a:t>
+            </a:r>
           </a:p>
         </p:txBody>
       </p:sp>
     </p:spTree>
     <p:extLst>
       <p:ext uri="{BB962C8B-B14F-4D97-AF65-F5344CB8AC3E}">
-        <p14:creationId xmlns:p14="http://schemas.microsoft.com/office/powerpoint/2010/main" xmlns:p="http://schemas.openxmlformats.org/presentationml/2006/main" xmlns:r="http://schemas.openxmlformats.org/officeDocument/2006/relationships" xmlns:a="http://schemas.openxmlformats.org/drawingml/2006/main" xmlns="" val="1931632301"/>
+        <p14:creationId xmlns="" xmlns:a="http://schemas.openxmlformats.org/drawingml/2006/main" xmlns:r="http://schemas.openxmlformats.org/officeDocument/2006/relationships" xmlns:p="http://schemas.openxmlformats.org/presentationml/2006/main" xmlns:p14="http://schemas.microsoft.com/office/powerpoint/2010/main" xmlns:mv="urn:schemas-microsoft-com:mac:vml" xmlns:mc="http://schemas.openxmlformats.org/markup-compatibility/2006" val="1931632301"/>
       </p:ext>
     </p:extLst>
   </p:cSld>
@@ -3354,11 +3913,7 @@
           <a:p>
             <a:r>
               <a:rPr lang="en-US" dirty="0" smtClean="0"/>
-              <a:t>Sharing</a:t>
-            </a:r>
-            <a:r>
-              <a:rPr lang="en-US" dirty="0" smtClean="0"/>
-              <a:t> content</a:t>
+              <a:t>Sharing content</a:t>
             </a:r>
             <a:endParaRPr lang="en-US" dirty="0"/>
           </a:p>
@@ -3403,7 +3958,6 @@
               <a:rPr lang="en-US" dirty="0" smtClean="0"/>
               <a:t>Content dependent?</a:t>
             </a:r>
-            <a:endParaRPr lang="en-US" dirty="0" smtClean="0"/>
           </a:p>
           <a:p>
             <a:endParaRPr lang="en-US" dirty="0"/>
@@ -3413,7 +3967,7 @@
     </p:spTree>
     <p:extLst>
       <p:ext uri="{BB962C8B-B14F-4D97-AF65-F5344CB8AC3E}">
-        <p14:creationId xmlns:p14="http://schemas.microsoft.com/office/powerpoint/2010/main" xmlns:p="http://schemas.openxmlformats.org/presentationml/2006/main" xmlns:r="http://schemas.openxmlformats.org/officeDocument/2006/relationships" xmlns:a="http://schemas.openxmlformats.org/drawingml/2006/main" xmlns="" val="3575178694"/>
+        <p14:creationId xmlns="" xmlns:a="http://schemas.openxmlformats.org/drawingml/2006/main" xmlns:r="http://schemas.openxmlformats.org/officeDocument/2006/relationships" xmlns:p="http://schemas.openxmlformats.org/presentationml/2006/main" xmlns:p14="http://schemas.microsoft.com/office/powerpoint/2010/main" xmlns:mv="urn:schemas-microsoft-com:mac:vml" xmlns:mc="http://schemas.openxmlformats.org/markup-compatibility/2006" val="3575178694"/>
       </p:ext>
     </p:extLst>
   </p:cSld>
@@ -3746,15 +4300,30 @@
         <p:spPr/>
         <p:txBody>
           <a:bodyPr>
-            <a:normAutofit/>
+            <a:normAutofit lnSpcReduction="10000"/>
           </a:bodyPr>
           <a:lstStyle/>
           <a:p>
             <a:r>
               <a:rPr lang="en-US" dirty="0" smtClean="0"/>
-              <a:t>Target 7-10 participants</a:t>
-            </a:r>
-            <a:endParaRPr lang="en-US" dirty="0" smtClean="0"/>
+              <a:t>Target 7-10 </a:t>
+            </a:r>
+            <a:r>
+              <a:rPr lang="en-US" dirty="0" smtClean="0"/>
+              <a:t>participants</a:t>
+            </a:r>
+          </a:p>
+          <a:p>
+            <a:r>
+              <a:rPr lang="en-US" dirty="0" smtClean="0"/>
+              <a:t>Recruit through CBDR, flyers, Craigslist</a:t>
+            </a:r>
+          </a:p>
+          <a:p>
+            <a:r>
+              <a:rPr lang="en-US" dirty="0" smtClean="0"/>
+              <a:t>Direct to online survey</a:t>
+            </a:r>
           </a:p>
           <a:p>
             <a:r>
@@ -3776,17 +4345,12 @@
               <a:rPr lang="en-US" dirty="0" smtClean="0"/>
               <a:t> users</a:t>
             </a:r>
-            <a:endParaRPr lang="en-US" dirty="0" smtClean="0"/>
           </a:p>
           <a:p>
             <a:pPr lvl="1"/>
             <a:r>
               <a:rPr lang="en-US" dirty="0" smtClean="0"/>
-              <a:t>Can send SMS text </a:t>
-            </a:r>
-            <a:r>
-              <a:rPr lang="en-US" dirty="0" smtClean="0"/>
-              <a:t>messages</a:t>
+              <a:t>Can send SMS text messages</a:t>
             </a:r>
           </a:p>
           <a:p>
@@ -3800,20 +4364,15 @@
             <a:pPr lvl="1"/>
             <a:r>
               <a:rPr lang="en-US" dirty="0" smtClean="0"/>
-              <a:t>Have history of </a:t>
-            </a:r>
-            <a:r>
-              <a:rPr lang="en-US" dirty="0" smtClean="0"/>
-              <a:t>content they decided not to post and are willing to share</a:t>
-            </a:r>
-            <a:endParaRPr lang="en-US" dirty="0" smtClean="0"/>
+              <a:t>Have history of content they decided not to post and are willing to share</a:t>
+            </a:r>
           </a:p>
         </p:txBody>
       </p:sp>
     </p:spTree>
     <p:extLst>
       <p:ext uri="{BB962C8B-B14F-4D97-AF65-F5344CB8AC3E}">
-        <p14:creationId xmlns:p14="http://schemas.microsoft.com/office/powerpoint/2010/main" xmlns:p="http://schemas.openxmlformats.org/presentationml/2006/main" xmlns:r="http://schemas.openxmlformats.org/officeDocument/2006/relationships" xmlns:a="http://schemas.openxmlformats.org/drawingml/2006/main" xmlns="" val="3575178694"/>
+        <p14:creationId xmlns="" xmlns:a="http://schemas.openxmlformats.org/drawingml/2006/main" xmlns:r="http://schemas.openxmlformats.org/officeDocument/2006/relationships" xmlns:p="http://schemas.openxmlformats.org/presentationml/2006/main" xmlns:p14="http://schemas.microsoft.com/office/powerpoint/2010/main" xmlns:mv="urn:schemas-microsoft-com:mac:vml" xmlns:mc="http://schemas.openxmlformats.org/markup-compatibility/2006" val="3575178694"/>
       </p:ext>
     </p:extLst>
   </p:cSld>
@@ -3876,99 +4435,66 @@
         <p:spPr/>
         <p:txBody>
           <a:bodyPr>
-            <a:normAutofit fontScale="77500" lnSpcReduction="20000"/>
+            <a:normAutofit/>
           </a:bodyPr>
           <a:lstStyle/>
           <a:p>
             <a:r>
               <a:rPr lang="en-US" dirty="0" smtClean="0"/>
-              <a:t>Diary study</a:t>
-            </a:r>
-            <a:r>
-              <a:rPr lang="en-US" dirty="0" smtClean="0"/>
-              <a:t> of reported </a:t>
-            </a:r>
-            <a:r>
-              <a:rPr lang="en-US" dirty="0" smtClean="0"/>
-              <a:t>content that thought about but decided not to share</a:t>
-            </a:r>
-            <a:endParaRPr lang="en-US" dirty="0" smtClean="0"/>
-          </a:p>
-          <a:p>
-            <a:pPr lvl="1"/>
-            <a:r>
-              <a:rPr lang="en-US" dirty="0" smtClean="0"/>
-              <a:t>Receive instructions at beginning of study</a:t>
-            </a:r>
-          </a:p>
-          <a:p>
-            <a:pPr lvl="1"/>
-            <a:r>
-              <a:rPr lang="en-US" dirty="0" smtClean="0"/>
-              <a:t>Text in content real-time</a:t>
-            </a:r>
-            <a:endParaRPr lang="en-US" dirty="0" smtClean="0"/>
-          </a:p>
-          <a:p>
-            <a:r>
-              <a:rPr lang="en-US" dirty="0" smtClean="0"/>
-              <a:t>Nightly</a:t>
-            </a:r>
-            <a:r>
-              <a:rPr lang="en-US" dirty="0" smtClean="0"/>
-              <a:t> online surveys to gather detailed information on texts</a:t>
-            </a:r>
-          </a:p>
-          <a:p>
-            <a:pPr lvl="1"/>
-            <a:r>
-              <a:rPr lang="en-US" dirty="0" smtClean="0"/>
-              <a:t>Probe on privacy decision</a:t>
-            </a:r>
-            <a:endParaRPr lang="en-US" dirty="0" smtClean="0"/>
-          </a:p>
-          <a:p>
-            <a:pPr lvl="2"/>
-            <a:r>
-              <a:rPr lang="en-US" dirty="0" smtClean="0"/>
-              <a:t>Why did they decide not to share it?</a:t>
-            </a:r>
-          </a:p>
-          <a:p>
-            <a:pPr lvl="2"/>
-            <a:r>
-              <a:rPr lang="en-US" dirty="0" smtClean="0"/>
-              <a:t>Who did they want to share it with?</a:t>
-            </a:r>
-          </a:p>
-          <a:p>
-            <a:pPr lvl="2"/>
-            <a:r>
-              <a:rPr lang="en-US" dirty="0" smtClean="0"/>
-              <a:t>Who did they not want to share it with?</a:t>
-            </a:r>
-          </a:p>
-          <a:p>
-            <a:pPr lvl="1"/>
-            <a:r>
-              <a:rPr lang="en-US" dirty="0" smtClean="0"/>
-              <a:t>Prevent “gaming” by asking questions on </a:t>
+              <a:t>Participants describe content </a:t>
+            </a:r>
+            <a:r>
+              <a:rPr lang="en-US" dirty="0" smtClean="0"/>
+              <a:t>that they think about sharing with friends but decide </a:t>
+            </a:r>
+            <a:r>
+              <a:rPr lang="en-US" dirty="0" smtClean="0"/>
+              <a:t>not to</a:t>
+            </a:r>
+            <a:r>
+              <a:rPr lang="en-US" dirty="0" smtClean="0"/>
+              <a:t> </a:t>
+            </a:r>
+            <a:r>
+              <a:rPr lang="en-US" dirty="0" smtClean="0"/>
+              <a:t>post on </a:t>
             </a:r>
             <a:r>
               <a:rPr lang="en-US" dirty="0" err="1" smtClean="0"/>
               <a:t>Facebook</a:t>
             </a:r>
-            <a:r>
-              <a:rPr lang="en-US" dirty="0" smtClean="0"/>
-              <a:t> posts if participants don’t send in any content</a:t>
-            </a:r>
+            <a:endParaRPr lang="en-US" dirty="0" smtClean="0"/>
           </a:p>
           <a:p>
             <a:pPr lvl="1"/>
             <a:r>
               <a:rPr lang="en-US" dirty="0" smtClean="0"/>
-              <a:t>Pay $2/survey</a:t>
-            </a:r>
+              <a:t>Receive instructions at beginning of study</a:t>
+            </a:r>
+            <a:endParaRPr lang="en-US" dirty="0" smtClean="0"/>
+          </a:p>
+          <a:p>
+            <a:pPr lvl="1"/>
+            <a:r>
+              <a:rPr lang="en-US" dirty="0" smtClean="0"/>
+              <a:t>Send as text messages real</a:t>
+            </a:r>
+            <a:r>
+              <a:rPr lang="en-US" dirty="0" smtClean="0"/>
+              <a:t>-</a:t>
+            </a:r>
+            <a:r>
+              <a:rPr lang="en-US" dirty="0" smtClean="0"/>
+              <a:t>time</a:t>
+            </a:r>
+          </a:p>
+          <a:p>
+            <a:pPr lvl="1"/>
+            <a:r>
+              <a:rPr lang="en-US" dirty="0" smtClean="0"/>
+              <a:t>Week long</a:t>
+            </a:r>
+            <a:endParaRPr lang="en-US" dirty="0" smtClean="0"/>
           </a:p>
           <a:p>
             <a:pPr lvl="1"/>
@@ -3979,7 +4505,7 @@
     </p:spTree>
     <p:extLst>
       <p:ext uri="{BB962C8B-B14F-4D97-AF65-F5344CB8AC3E}">
-        <p14:creationId xmlns:p14="http://schemas.microsoft.com/office/powerpoint/2010/main" xmlns:p="http://schemas.openxmlformats.org/presentationml/2006/main" xmlns:r="http://schemas.openxmlformats.org/officeDocument/2006/relationships" xmlns:a="http://schemas.openxmlformats.org/drawingml/2006/main" xmlns="" val="2885542801"/>
+        <p14:creationId xmlns="" xmlns:a="http://schemas.openxmlformats.org/drawingml/2006/main" xmlns:r="http://schemas.openxmlformats.org/officeDocument/2006/relationships" xmlns:p="http://schemas.openxmlformats.org/presentationml/2006/main" xmlns:p14="http://schemas.microsoft.com/office/powerpoint/2010/main" xmlns:mv="urn:schemas-microsoft-com:mac:vml" xmlns:mc="http://schemas.openxmlformats.org/markup-compatibility/2006" val="2885542801"/>
       </p:ext>
     </p:extLst>
   </p:cSld>
@@ -4023,7 +4549,7 @@
           <a:p>
             <a:r>
               <a:rPr lang="en-US" dirty="0" smtClean="0"/>
-              <a:t>Final Interview</a:t>
+              <a:t>Diary study</a:t>
             </a:r>
             <a:endParaRPr lang="en-US" dirty="0"/>
           </a:p>
@@ -4041,64 +4567,84 @@
         </p:nvSpPr>
         <p:spPr/>
         <p:txBody>
-          <a:bodyPr/>
-          <a:lstStyle/>
-          <a:p>
-            <a:r>
-              <a:rPr lang="en-US" dirty="0" smtClean="0"/>
-              <a:t>Lab-based semi-structured interview</a:t>
-            </a:r>
-          </a:p>
-          <a:p>
-            <a:r>
-              <a:rPr lang="en-US" dirty="0" smtClean="0"/>
-              <a:t>Deep-dive into results of online surveys</a:t>
+          <a:bodyPr>
+            <a:normAutofit lnSpcReduction="10000"/>
+          </a:bodyPr>
+          <a:lstStyle/>
+          <a:p>
+            <a:r>
+              <a:rPr lang="en-US" dirty="0" smtClean="0"/>
+              <a:t>Nightly </a:t>
+            </a:r>
+            <a:r>
+              <a:rPr lang="en-US" dirty="0" smtClean="0"/>
+              <a:t>online surveys to gather detailed information on texts</a:t>
             </a:r>
           </a:p>
           <a:p>
             <a:pPr lvl="1"/>
             <a:r>
               <a:rPr lang="en-US" dirty="0" smtClean="0"/>
-              <a:t>Attributes of people wanted to share with/not share with</a:t>
+              <a:t>Probe on privacy </a:t>
+            </a:r>
+            <a:r>
+              <a:rPr lang="en-US" dirty="0" smtClean="0"/>
+              <a:t>decisions</a:t>
+            </a:r>
+          </a:p>
+          <a:p>
+            <a:pPr lvl="2"/>
+            <a:r>
+              <a:rPr lang="en-US" dirty="0" smtClean="0"/>
+              <a:t>Why did they decide not to share it?</a:t>
+            </a:r>
+          </a:p>
+          <a:p>
+            <a:pPr lvl="2"/>
+            <a:r>
+              <a:rPr lang="en-US" dirty="0" smtClean="0"/>
+              <a:t>Who did they want to share it with?</a:t>
+            </a:r>
+          </a:p>
+          <a:p>
+            <a:pPr lvl="2"/>
+            <a:r>
+              <a:rPr lang="en-US" dirty="0" smtClean="0"/>
+              <a:t>Who did they not want to share it with?</a:t>
             </a:r>
           </a:p>
           <a:p>
             <a:pPr lvl="1"/>
             <a:r>
               <a:rPr lang="en-US" dirty="0" smtClean="0"/>
-              <a:t>Attributes of content</a:t>
-            </a:r>
-          </a:p>
-          <a:p>
-            <a:r>
-              <a:rPr lang="en-US" dirty="0" smtClean="0"/>
-              <a:t>Probe </a:t>
-            </a:r>
-            <a:r>
-              <a:rPr lang="en-US" dirty="0" smtClean="0"/>
-              <a:t>on social network usage</a:t>
+              <a:t>Prevent “gaming” by asking questions on </a:t>
+            </a:r>
+            <a:r>
+              <a:rPr lang="en-US" dirty="0" err="1" smtClean="0"/>
+              <a:t>Facebook</a:t>
+            </a:r>
+            <a:r>
+              <a:rPr lang="en-US" dirty="0" smtClean="0"/>
+              <a:t> posts if participants don’t send in any content</a:t>
             </a:r>
           </a:p>
           <a:p>
             <a:pPr lvl="1"/>
             <a:r>
               <a:rPr lang="en-US" dirty="0" smtClean="0"/>
-              <a:t>Privacy preferences</a:t>
+              <a:t>Pay $2/survey</a:t>
             </a:r>
           </a:p>
           <a:p>
             <a:pPr lvl="1"/>
-            <a:r>
-              <a:rPr lang="en-US" dirty="0" smtClean="0"/>
-              <a:t>Current grouping and sharing</a:t>
-            </a:r>
+            <a:endParaRPr lang="en-US" dirty="0" smtClean="0"/>
           </a:p>
         </p:txBody>
       </p:sp>
     </p:spTree>
     <p:extLst>
       <p:ext uri="{BB962C8B-B14F-4D97-AF65-F5344CB8AC3E}">
-        <p14:creationId xmlns:p14="http://schemas.microsoft.com/office/powerpoint/2010/main" xmlns:p="http://schemas.openxmlformats.org/presentationml/2006/main" xmlns:r="http://schemas.openxmlformats.org/officeDocument/2006/relationships" xmlns:a="http://schemas.openxmlformats.org/drawingml/2006/main" xmlns="" val="2885542801"/>
+        <p14:creationId xmlns="" xmlns:a="http://schemas.openxmlformats.org/drawingml/2006/main" xmlns:r="http://schemas.openxmlformats.org/officeDocument/2006/relationships" xmlns:p="http://schemas.openxmlformats.org/presentationml/2006/main" xmlns:p14="http://schemas.microsoft.com/office/powerpoint/2010/main" xmlns:mv="urn:schemas-microsoft-com:mac:vml" xmlns:mc="http://schemas.openxmlformats.org/markup-compatibility/2006" val="2885542801"/>
       </p:ext>
     </p:extLst>
   </p:cSld>
@@ -4142,7 +4688,7 @@
           <a:p>
             <a:r>
               <a:rPr lang="en-US" dirty="0" smtClean="0"/>
-              <a:t>Technology</a:t>
+              <a:t>Final Interview</a:t>
             </a:r>
             <a:endParaRPr lang="en-US" dirty="0"/>
           </a:p>
@@ -4160,33 +4706,52 @@
         </p:nvSpPr>
         <p:spPr/>
         <p:txBody>
-          <a:bodyPr/>
-          <a:lstStyle/>
-          <a:p>
-            <a:r>
-              <a:rPr lang="en-US" dirty="0" err="1" smtClean="0"/>
-              <a:t>Twilio</a:t>
+          <a:bodyPr>
+            <a:normAutofit/>
+          </a:bodyPr>
+          <a:lstStyle/>
+          <a:p>
+            <a:r>
+              <a:rPr lang="en-US" dirty="0" smtClean="0"/>
+              <a:t>Lab-based semi-structured interview</a:t>
             </a:r>
             <a:endParaRPr lang="en-US" dirty="0" smtClean="0"/>
           </a:p>
           <a:p>
             <a:r>
               <a:rPr lang="en-US" dirty="0" smtClean="0"/>
-              <a:t>Restful</a:t>
-            </a:r>
-          </a:p>
-          <a:p>
-            <a:r>
-              <a:rPr lang="en-US" dirty="0" smtClean="0"/>
-              <a:t>Do we need this slide?</a:t>
-            </a:r>
+              <a:t>Delve into </a:t>
+            </a:r>
+            <a:r>
+              <a:rPr lang="en-US" dirty="0" smtClean="0"/>
+              <a:t>results of online surveys</a:t>
+            </a:r>
+            <a:endParaRPr lang="en-US" dirty="0" smtClean="0"/>
+          </a:p>
+          <a:p>
+            <a:r>
+              <a:rPr lang="en-US" dirty="0" smtClean="0"/>
+              <a:t>Probe </a:t>
+            </a:r>
+            <a:r>
+              <a:rPr lang="en-US" dirty="0" smtClean="0"/>
+              <a:t>on social network usage</a:t>
+            </a:r>
+            <a:endParaRPr lang="en-US" dirty="0" smtClean="0"/>
+          </a:p>
+          <a:p>
+            <a:r>
+              <a:rPr lang="en-US" dirty="0" smtClean="0"/>
+              <a:t>Pay $20 for interview</a:t>
+            </a:r>
+            <a:endParaRPr lang="en-US" dirty="0" smtClean="0"/>
           </a:p>
         </p:txBody>
       </p:sp>
     </p:spTree>
     <p:extLst>
       <p:ext uri="{BB962C8B-B14F-4D97-AF65-F5344CB8AC3E}">
-        <p14:creationId xmlns:p14="http://schemas.microsoft.com/office/powerpoint/2010/main" xmlns:p="http://schemas.openxmlformats.org/presentationml/2006/main" xmlns:r="http://schemas.openxmlformats.org/officeDocument/2006/relationships" xmlns:a="http://schemas.openxmlformats.org/drawingml/2006/main" xmlns="" val="2885542801"/>
+        <p14:creationId xmlns="" xmlns:a="http://schemas.openxmlformats.org/drawingml/2006/main" xmlns:r="http://schemas.openxmlformats.org/officeDocument/2006/relationships" xmlns:p="http://schemas.openxmlformats.org/presentationml/2006/main" xmlns:p14="http://schemas.microsoft.com/office/powerpoint/2010/main" xmlns:mv="urn:schemas-microsoft-com:mac:vml" xmlns:mc="http://schemas.openxmlformats.org/markup-compatibility/2006" val="2885542801"/>
       </p:ext>
     </p:extLst>
   </p:cSld>
@@ -4230,51 +4795,40 @@
           <a:p>
             <a:r>
               <a:rPr lang="en-US" dirty="0" smtClean="0"/>
-              <a:t>Progress and next steps</a:t>
+              <a:t>Technology</a:t>
             </a:r>
             <a:endParaRPr lang="en-US" dirty="0"/>
           </a:p>
         </p:txBody>
       </p:sp>
-      <p:sp>
-        <p:nvSpPr>
-          <p:cNvPr id="3" name="Content Placeholder 2"/>
-          <p:cNvSpPr>
-            <a:spLocks noGrp="1"/>
-          </p:cNvSpPr>
-          <p:nvPr>
-            <p:ph idx="1"/>
-          </p:nvPr>
-        </p:nvSpPr>
-        <p:spPr/>
-        <p:txBody>
-          <a:bodyPr/>
-          <a:lstStyle/>
-          <a:p>
-            <a:r>
-              <a:rPr lang="en-US" dirty="0" smtClean="0"/>
-              <a:t>New IRB submitted</a:t>
-            </a:r>
-          </a:p>
-          <a:p>
-            <a:r>
-              <a:rPr lang="en-US" dirty="0" smtClean="0"/>
-              <a:t>Technology? </a:t>
-            </a:r>
-          </a:p>
-          <a:p>
-            <a:r>
-              <a:rPr lang="en-US" dirty="0" smtClean="0"/>
-              <a:t>Pilot on our friends while waiting for IRB</a:t>
-            </a:r>
-            <a:endParaRPr lang="en-US" dirty="0"/>
-          </a:p>
-        </p:txBody>
-      </p:sp>
+      <p:pic>
+        <p:nvPicPr>
+          <p:cNvPr id="7" name="Picture 6"/>
+          <p:cNvPicPr>
+            <a:picLocks noChangeAspect="1"/>
+          </p:cNvPicPr>
+          <p:nvPr/>
+        </p:nvPicPr>
+        <p:blipFill>
+          <a:blip r:embed="rId2"/>
+          <a:stretch>
+            <a:fillRect/>
+          </a:stretch>
+        </p:blipFill>
+        <p:spPr>
+          <a:xfrm>
+            <a:off x="2660650" y="1295400"/>
+            <a:ext cx="4121150" cy="4825457"/>
+          </a:xfrm>
+          <a:prstGeom prst="rect">
+            <a:avLst/>
+          </a:prstGeom>
+        </p:spPr>
+      </p:pic>
     </p:spTree>
     <p:extLst>
       <p:ext uri="{BB962C8B-B14F-4D97-AF65-F5344CB8AC3E}">
-        <p14:creationId xmlns:p14="http://schemas.microsoft.com/office/powerpoint/2010/main" xmlns:p="http://schemas.openxmlformats.org/presentationml/2006/main" xmlns:r="http://schemas.openxmlformats.org/officeDocument/2006/relationships" xmlns:a="http://schemas.openxmlformats.org/drawingml/2006/main" xmlns="" val="3866864876"/>
+        <p14:creationId xmlns="" xmlns:a="http://schemas.openxmlformats.org/drawingml/2006/main" xmlns:r="http://schemas.openxmlformats.org/officeDocument/2006/relationships" xmlns:p="http://schemas.openxmlformats.org/presentationml/2006/main" xmlns:p14="http://schemas.microsoft.com/office/powerpoint/2010/main" xmlns:mv="urn:schemas-microsoft-com:mac:vml" xmlns:mc="http://schemas.openxmlformats.org/markup-compatibility/2006" val="2885542801"/>
       </p:ext>
     </p:extLst>
   </p:cSld>
@@ -4567,4 +5121,322 @@
   <a:objectDefaults/>
   <a:extraClrSchemeLst/>
 </a:theme>
+</file>
+
+<file path=ppt/theme/theme2.xml><?xml version="1.0" encoding="utf-8"?>
+<a:theme xmlns:a="http://schemas.openxmlformats.org/drawingml/2006/main" name="Office Theme">
+  <a:themeElements>
+    <a:clrScheme name="Office">
+      <a:dk1>
+        <a:sysClr val="windowText" lastClr="000000"/>
+      </a:dk1>
+      <a:lt1>
+        <a:sysClr val="window" lastClr="FFFFFF"/>
+      </a:lt1>
+      <a:dk2>
+        <a:srgbClr val="1F497D"/>
+      </a:dk2>
+      <a:lt2>
+        <a:srgbClr val="EEECE1"/>
+      </a:lt2>
+      <a:accent1>
+        <a:srgbClr val="4F81BD"/>
+      </a:accent1>
+      <a:accent2>
+        <a:srgbClr val="C0504D"/>
+      </a:accent2>
+      <a:accent3>
+        <a:srgbClr val="9BBB59"/>
+      </a:accent3>
+      <a:accent4>
+        <a:srgbClr val="8064A2"/>
+      </a:accent4>
+      <a:accent5>
+        <a:srgbClr val="4BACC6"/>
+      </a:accent5>
+      <a:accent6>
+        <a:srgbClr val="F79646"/>
+      </a:accent6>
+      <a:hlink>
+        <a:srgbClr val="0000FF"/>
+      </a:hlink>
+      <a:folHlink>
+        <a:srgbClr val="800080"/>
+      </a:folHlink>
+    </a:clrScheme>
+    <a:fontScheme name="Office">
+      <a:majorFont>
+        <a:latin typeface="Calibri"/>
+        <a:ea typeface=""/>
+        <a:cs typeface=""/>
+        <a:font script="Jpan" typeface="ＭＳ Ｐゴシック"/>
+        <a:font script="Hang" typeface="맑은 고딕"/>
+        <a:font script="Hans" typeface="宋体"/>
+        <a:font script="Hant" typeface="新細明體"/>
+        <a:font script="Arab" typeface="Times New Roman"/>
+        <a:font script="Hebr" typeface="Times New Roman"/>
+        <a:font script="Thai" typeface="Angsana New"/>
+        <a:font script="Ethi" typeface="Nyala"/>
+        <a:font script="Beng" typeface="Vrinda"/>
+        <a:font script="Gujr" typeface="Shruti"/>
+        <a:font script="Khmr" typeface="MoolBoran"/>
+        <a:font script="Knda" typeface="Tunga"/>
+        <a:font script="Guru" typeface="Raavi"/>
+        <a:font script="Cans" typeface="Euphemia"/>
+        <a:font script="Cher" typeface="Plantagenet Cherokee"/>
+        <a:font script="Yiii" typeface="Microsoft Yi Baiti"/>
+        <a:font script="Tibt" typeface="Microsoft Himalaya"/>
+        <a:font script="Thaa" typeface="MV Boli"/>
+        <a:font script="Deva" typeface="Mangal"/>
+        <a:font script="Telu" typeface="Gautami"/>
+        <a:font script="Taml" typeface="Latha"/>
+        <a:font script="Syrc" typeface="Estrangelo Edessa"/>
+        <a:font script="Orya" typeface="Kalinga"/>
+        <a:font script="Mlym" typeface="Kartika"/>
+        <a:font script="Laoo" typeface="DokChampa"/>
+        <a:font script="Sinh" typeface="Iskoola Pota"/>
+        <a:font script="Mong" typeface="Mongolian Baiti"/>
+        <a:font script="Viet" typeface="Times New Roman"/>
+        <a:font script="Uigh" typeface="Microsoft Uighur"/>
+      </a:majorFont>
+      <a:minorFont>
+        <a:latin typeface="Calibri"/>
+        <a:ea typeface=""/>
+        <a:cs typeface=""/>
+        <a:font script="Jpan" typeface="ＭＳ Ｐゴシック"/>
+        <a:font script="Hang" typeface="맑은 고딕"/>
+        <a:font script="Hans" typeface="宋体"/>
+        <a:font script="Hant" typeface="新細明體"/>
+        <a:font script="Arab" typeface="Arial"/>
+        <a:font script="Hebr" typeface="Arial"/>
+        <a:font script="Thai" typeface="Cordia New"/>
+        <a:font script="Ethi" typeface="Nyala"/>
+        <a:font script="Beng" typeface="Vrinda"/>
+        <a:font script="Gujr" typeface="Shruti"/>
+        <a:font script="Khmr" typeface="DaunPenh"/>
+        <a:font script="Knda" typeface="Tunga"/>
+        <a:font script="Guru" typeface="Raavi"/>
+        <a:font script="Cans" typeface="Euphemia"/>
+        <a:font script="Cher" typeface="Plantagenet Cherokee"/>
+        <a:font script="Yiii" typeface="Microsoft Yi Baiti"/>
+        <a:font script="Tibt" typeface="Microsoft Himalaya"/>
+        <a:font script="Thaa" typeface="MV Boli"/>
+        <a:font script="Deva" typeface="Mangal"/>
+        <a:font script="Telu" typeface="Gautami"/>
+        <a:font script="Taml" typeface="Latha"/>
+        <a:font script="Syrc" typeface="Estrangelo Edessa"/>
+        <a:font script="Orya" typeface="Kalinga"/>
+        <a:font script="Mlym" typeface="Kartika"/>
+        <a:font script="Laoo" typeface="DokChampa"/>
+        <a:font script="Sinh" typeface="Iskoola Pota"/>
+        <a:font script="Mong" typeface="Mongolian Baiti"/>
+        <a:font script="Viet" typeface="Arial"/>
+        <a:font script="Uigh" typeface="Microsoft Uighur"/>
+      </a:minorFont>
+    </a:fontScheme>
+    <a:fmtScheme name="Office">
+      <a:fillStyleLst>
+        <a:solidFill>
+          <a:schemeClr val="phClr"/>
+        </a:solidFill>
+        <a:gradFill rotWithShape="1">
+          <a:gsLst>
+            <a:gs pos="0">
+              <a:schemeClr val="phClr">
+                <a:tint val="50000"/>
+                <a:satMod val="300000"/>
+              </a:schemeClr>
+            </a:gs>
+            <a:gs pos="35000">
+              <a:schemeClr val="phClr">
+                <a:tint val="37000"/>
+                <a:satMod val="300000"/>
+              </a:schemeClr>
+            </a:gs>
+            <a:gs pos="100000">
+              <a:schemeClr val="phClr">
+                <a:tint val="15000"/>
+                <a:satMod val="350000"/>
+              </a:schemeClr>
+            </a:gs>
+          </a:gsLst>
+          <a:lin ang="16200000" scaled="1"/>
+        </a:gradFill>
+        <a:gradFill rotWithShape="1">
+          <a:gsLst>
+            <a:gs pos="0">
+              <a:schemeClr val="phClr">
+                <a:tint val="100000"/>
+                <a:shade val="100000"/>
+                <a:satMod val="130000"/>
+              </a:schemeClr>
+            </a:gs>
+            <a:gs pos="100000">
+              <a:schemeClr val="phClr">
+                <a:tint val="50000"/>
+                <a:shade val="100000"/>
+                <a:satMod val="350000"/>
+              </a:schemeClr>
+            </a:gs>
+          </a:gsLst>
+          <a:lin ang="16200000" scaled="0"/>
+        </a:gradFill>
+      </a:fillStyleLst>
+      <a:lnStyleLst>
+        <a:ln w="9525" cap="flat" cmpd="sng" algn="ctr">
+          <a:solidFill>
+            <a:schemeClr val="phClr">
+              <a:shade val="95000"/>
+              <a:satMod val="105000"/>
+            </a:schemeClr>
+          </a:solidFill>
+          <a:prstDash val="solid"/>
+        </a:ln>
+        <a:ln w="25400" cap="flat" cmpd="sng" algn="ctr">
+          <a:solidFill>
+            <a:schemeClr val="phClr"/>
+          </a:solidFill>
+          <a:prstDash val="solid"/>
+        </a:ln>
+        <a:ln w="38100" cap="flat" cmpd="sng" algn="ctr">
+          <a:solidFill>
+            <a:schemeClr val="phClr"/>
+          </a:solidFill>
+          <a:prstDash val="solid"/>
+        </a:ln>
+      </a:lnStyleLst>
+      <a:effectStyleLst>
+        <a:effectStyle>
+          <a:effectLst>
+            <a:outerShdw blurRad="40000" dist="20000" dir="5400000" rotWithShape="0">
+              <a:srgbClr val="000000">
+                <a:alpha val="38000"/>
+              </a:srgbClr>
+            </a:outerShdw>
+          </a:effectLst>
+        </a:effectStyle>
+        <a:effectStyle>
+          <a:effectLst>
+            <a:outerShdw blurRad="40000" dist="23000" dir="5400000" rotWithShape="0">
+              <a:srgbClr val="000000">
+                <a:alpha val="35000"/>
+              </a:srgbClr>
+            </a:outerShdw>
+          </a:effectLst>
+        </a:effectStyle>
+        <a:effectStyle>
+          <a:effectLst>
+            <a:outerShdw blurRad="40000" dist="23000" dir="5400000" rotWithShape="0">
+              <a:srgbClr val="000000">
+                <a:alpha val="35000"/>
+              </a:srgbClr>
+            </a:outerShdw>
+          </a:effectLst>
+          <a:scene3d>
+            <a:camera prst="orthographicFront">
+              <a:rot lat="0" lon="0" rev="0"/>
+            </a:camera>
+            <a:lightRig rig="threePt" dir="t">
+              <a:rot lat="0" lon="0" rev="1200000"/>
+            </a:lightRig>
+          </a:scene3d>
+          <a:sp3d>
+            <a:bevelT w="63500" h="25400"/>
+          </a:sp3d>
+        </a:effectStyle>
+      </a:effectStyleLst>
+      <a:bgFillStyleLst>
+        <a:solidFill>
+          <a:schemeClr val="phClr"/>
+        </a:solidFill>
+        <a:gradFill rotWithShape="1">
+          <a:gsLst>
+            <a:gs pos="0">
+              <a:schemeClr val="phClr">
+                <a:tint val="40000"/>
+                <a:satMod val="350000"/>
+              </a:schemeClr>
+            </a:gs>
+            <a:gs pos="40000">
+              <a:schemeClr val="phClr">
+                <a:tint val="45000"/>
+                <a:shade val="99000"/>
+                <a:satMod val="350000"/>
+              </a:schemeClr>
+            </a:gs>
+            <a:gs pos="100000">
+              <a:schemeClr val="phClr">
+                <a:shade val="20000"/>
+                <a:satMod val="255000"/>
+              </a:schemeClr>
+            </a:gs>
+          </a:gsLst>
+          <a:path path="circle">
+            <a:fillToRect l="50000" t="-80000" r="50000" b="180000"/>
+          </a:path>
+        </a:gradFill>
+        <a:gradFill rotWithShape="1">
+          <a:gsLst>
+            <a:gs pos="0">
+              <a:schemeClr val="phClr">
+                <a:tint val="80000"/>
+                <a:satMod val="300000"/>
+              </a:schemeClr>
+            </a:gs>
+            <a:gs pos="100000">
+              <a:schemeClr val="phClr">
+                <a:shade val="30000"/>
+                <a:satMod val="200000"/>
+              </a:schemeClr>
+            </a:gs>
+          </a:gsLst>
+          <a:path path="circle">
+            <a:fillToRect l="50000" t="50000" r="50000" b="50000"/>
+          </a:path>
+        </a:gradFill>
+      </a:bgFillStyleLst>
+    </a:fmtScheme>
+  </a:themeElements>
+  <a:objectDefaults>
+    <a:spDef>
+      <a:spPr/>
+      <a:bodyPr/>
+      <a:lstStyle/>
+      <a:style>
+        <a:lnRef idx="1">
+          <a:schemeClr val="accent1"/>
+        </a:lnRef>
+        <a:fillRef idx="3">
+          <a:schemeClr val="accent1"/>
+        </a:fillRef>
+        <a:effectRef idx="2">
+          <a:schemeClr val="accent1"/>
+        </a:effectRef>
+        <a:fontRef idx="minor">
+          <a:schemeClr val="lt1"/>
+        </a:fontRef>
+      </a:style>
+    </a:spDef>
+    <a:lnDef>
+      <a:spPr/>
+      <a:bodyPr/>
+      <a:lstStyle/>
+      <a:style>
+        <a:lnRef idx="2">
+          <a:schemeClr val="accent1"/>
+        </a:lnRef>
+        <a:fillRef idx="0">
+          <a:schemeClr val="accent1"/>
+        </a:fillRef>
+        <a:effectRef idx="1">
+          <a:schemeClr val="accent1"/>
+        </a:effectRef>
+        <a:fontRef idx="minor">
+          <a:schemeClr val="tx1"/>
+        </a:fontRef>
+      </a:style>
+    </a:lnDef>
+  </a:objectDefaults>
+  <a:extraClrSchemeLst/>
+</a:theme>
 </file>
--- a/ProgressReport/20111101ProgRepPresv1.pptx
+++ b/ProgressReport/20111101ProgRepPresv1.pptx
@@ -5,7 +5,7 @@
     <p:sldMasterId id="2147483648" r:id="rId1"/>
   </p:sldMasterIdLst>
   <p:notesMasterIdLst>
-    <p:notesMasterId r:id="rId12"/>
+    <p:notesMasterId r:id="rId13"/>
   </p:notesMasterIdLst>
   <p:sldIdLst>
     <p:sldId id="256" r:id="rId2"/>
@@ -18,6 +18,7 @@
     <p:sldId id="260" r:id="rId9"/>
     <p:sldId id="262" r:id="rId10"/>
     <p:sldId id="263" r:id="rId11"/>
+    <p:sldId id="266" r:id="rId12"/>
   </p:sldIdLst>
   <p:sldSz cx="9144000" cy="6858000" type="screen4x3"/>
   <p:notesSz cx="6858000" cy="9144000"/>
@@ -512,6 +513,693 @@
           </a:bodyPr>
           <a:lstStyle/>
           <a:p>
+            <a:r>
+              <a:rPr lang="en-US" dirty="0" smtClean="0"/>
+              <a:t>Jason</a:t>
+            </a:r>
+            <a:endParaRPr lang="en-US" dirty="0"/>
+          </a:p>
+        </p:txBody>
+      </p:sp>
+      <p:sp>
+        <p:nvSpPr>
+          <p:cNvPr id="4" name="Slide Number Placeholder 3"/>
+          <p:cNvSpPr>
+            <a:spLocks noGrp="1"/>
+          </p:cNvSpPr>
+          <p:nvPr>
+            <p:ph type="sldNum" sz="quarter" idx="10"/>
+          </p:nvPr>
+        </p:nvSpPr>
+        <p:spPr/>
+        <p:txBody>
+          <a:bodyPr/>
+          <a:lstStyle/>
+          <a:p>
+            <a:fld id="{5E8F94D6-25B7-E54E-B9E8-5A4CF3D2C32A}" type="slidenum">
+              <a:rPr lang="en-US" smtClean="0"/>
+              <a:t>1</a:t>
+            </a:fld>
+            <a:endParaRPr lang="en-US"/>
+          </a:p>
+        </p:txBody>
+      </p:sp>
+    </p:spTree>
+  </p:cSld>
+  <p:clrMapOvr>
+    <a:masterClrMapping/>
+  </p:clrMapOvr>
+</p:notes>
+</file>
+
+<file path=ppt/notesSlides/notesSlide10.xml><?xml version="1.0" encoding="utf-8"?>
+<p:notes xmlns:a="http://schemas.openxmlformats.org/drawingml/2006/main" xmlns:r="http://schemas.openxmlformats.org/officeDocument/2006/relationships" xmlns:mc="http://schemas.openxmlformats.org/markup-compatibility/2006" xmlns:mv="urn:schemas-microsoft-com:mac:vml" xmlns:p="http://schemas.openxmlformats.org/presentationml/2006/main" mc:Ignorable="mv" mc:PreserveAttributes="mv:*">
+  <p:cSld>
+    <p:spTree>
+      <p:nvGrpSpPr>
+        <p:cNvPr id="1" name=""/>
+        <p:cNvGrpSpPr/>
+        <p:nvPr/>
+      </p:nvGrpSpPr>
+      <p:grpSpPr>
+        <a:xfrm>
+          <a:off x="0" y="0"/>
+          <a:ext cx="0" cy="0"/>
+          <a:chOff x="0" y="0"/>
+          <a:chExt cx="0" cy="0"/>
+        </a:xfrm>
+      </p:grpSpPr>
+      <p:sp>
+        <p:nvSpPr>
+          <p:cNvPr id="2" name="Slide Image Placeholder 1"/>
+          <p:cNvSpPr>
+            <a:spLocks noGrp="1" noRot="1" noChangeAspect="1"/>
+          </p:cNvSpPr>
+          <p:nvPr>
+            <p:ph type="sldImg"/>
+          </p:nvPr>
+        </p:nvSpPr>
+        <p:spPr/>
+      </p:sp>
+      <p:sp>
+        <p:nvSpPr>
+          <p:cNvPr id="3" name="Notes Placeholder 2"/>
+          <p:cNvSpPr>
+            <a:spLocks noGrp="1"/>
+          </p:cNvSpPr>
+          <p:nvPr>
+            <p:ph type="body" idx="1"/>
+          </p:nvPr>
+        </p:nvSpPr>
+        <p:spPr/>
+        <p:txBody>
+          <a:bodyPr>
+            <a:normAutofit/>
+          </a:bodyPr>
+          <a:lstStyle/>
+          <a:p>
+            <a:r>
+              <a:rPr lang="en-US" dirty="0" smtClean="0"/>
+              <a:t>Jason</a:t>
+            </a:r>
+            <a:endParaRPr lang="en-US" dirty="0"/>
+          </a:p>
+        </p:txBody>
+      </p:sp>
+      <p:sp>
+        <p:nvSpPr>
+          <p:cNvPr id="4" name="Slide Number Placeholder 3"/>
+          <p:cNvSpPr>
+            <a:spLocks noGrp="1"/>
+          </p:cNvSpPr>
+          <p:nvPr>
+            <p:ph type="sldNum" sz="quarter" idx="10"/>
+          </p:nvPr>
+        </p:nvSpPr>
+        <p:spPr/>
+        <p:txBody>
+          <a:bodyPr/>
+          <a:lstStyle/>
+          <a:p>
+            <a:fld id="{5E8F94D6-25B7-E54E-B9E8-5A4CF3D2C32A}" type="slidenum">
+              <a:rPr lang="en-US" smtClean="0"/>
+              <a:t>10</a:t>
+            </a:fld>
+            <a:endParaRPr lang="en-US"/>
+          </a:p>
+        </p:txBody>
+      </p:sp>
+    </p:spTree>
+  </p:cSld>
+  <p:clrMapOvr>
+    <a:masterClrMapping/>
+  </p:clrMapOvr>
+</p:notes>
+</file>
+
+<file path=ppt/notesSlides/notesSlide2.xml><?xml version="1.0" encoding="utf-8"?>
+<p:notes xmlns:a="http://schemas.openxmlformats.org/drawingml/2006/main" xmlns:r="http://schemas.openxmlformats.org/officeDocument/2006/relationships" xmlns:mc="http://schemas.openxmlformats.org/markup-compatibility/2006" xmlns:mv="urn:schemas-microsoft-com:mac:vml" xmlns:p="http://schemas.openxmlformats.org/presentationml/2006/main" mc:Ignorable="mv" mc:PreserveAttributes="mv:*">
+  <p:cSld>
+    <p:spTree>
+      <p:nvGrpSpPr>
+        <p:cNvPr id="1" name=""/>
+        <p:cNvGrpSpPr/>
+        <p:nvPr/>
+      </p:nvGrpSpPr>
+      <p:grpSpPr>
+        <a:xfrm>
+          <a:off x="0" y="0"/>
+          <a:ext cx="0" cy="0"/>
+          <a:chOff x="0" y="0"/>
+          <a:chExt cx="0" cy="0"/>
+        </a:xfrm>
+      </p:grpSpPr>
+      <p:sp>
+        <p:nvSpPr>
+          <p:cNvPr id="2" name="Slide Image Placeholder 1"/>
+          <p:cNvSpPr>
+            <a:spLocks noGrp="1" noRot="1" noChangeAspect="1"/>
+          </p:cNvSpPr>
+          <p:nvPr>
+            <p:ph type="sldImg"/>
+          </p:nvPr>
+        </p:nvSpPr>
+        <p:spPr/>
+      </p:sp>
+      <p:sp>
+        <p:nvSpPr>
+          <p:cNvPr id="3" name="Notes Placeholder 2"/>
+          <p:cNvSpPr>
+            <a:spLocks noGrp="1"/>
+          </p:cNvSpPr>
+          <p:nvPr>
+            <p:ph type="body" idx="1"/>
+          </p:nvPr>
+        </p:nvSpPr>
+        <p:spPr/>
+        <p:txBody>
+          <a:bodyPr>
+            <a:normAutofit/>
+          </a:bodyPr>
+          <a:lstStyle/>
+          <a:p>
+            <a:r>
+              <a:rPr lang="en-US" dirty="0" smtClean="0"/>
+              <a:t>Jason</a:t>
+            </a:r>
+            <a:endParaRPr lang="en-US" dirty="0"/>
+          </a:p>
+        </p:txBody>
+      </p:sp>
+      <p:sp>
+        <p:nvSpPr>
+          <p:cNvPr id="4" name="Slide Number Placeholder 3"/>
+          <p:cNvSpPr>
+            <a:spLocks noGrp="1"/>
+          </p:cNvSpPr>
+          <p:nvPr>
+            <p:ph type="sldNum" sz="quarter" idx="10"/>
+          </p:nvPr>
+        </p:nvSpPr>
+        <p:spPr/>
+        <p:txBody>
+          <a:bodyPr/>
+          <a:lstStyle/>
+          <a:p>
+            <a:fld id="{5E8F94D6-25B7-E54E-B9E8-5A4CF3D2C32A}" type="slidenum">
+              <a:rPr lang="en-US" smtClean="0"/>
+              <a:t>2</a:t>
+            </a:fld>
+            <a:endParaRPr lang="en-US"/>
+          </a:p>
+        </p:txBody>
+      </p:sp>
+    </p:spTree>
+  </p:cSld>
+  <p:clrMapOvr>
+    <a:masterClrMapping/>
+  </p:clrMapOvr>
+</p:notes>
+</file>
+
+<file path=ppt/notesSlides/notesSlide3.xml><?xml version="1.0" encoding="utf-8"?>
+<p:notes xmlns:a="http://schemas.openxmlformats.org/drawingml/2006/main" xmlns:r="http://schemas.openxmlformats.org/officeDocument/2006/relationships" xmlns:mc="http://schemas.openxmlformats.org/markup-compatibility/2006" xmlns:mv="urn:schemas-microsoft-com:mac:vml" xmlns:p="http://schemas.openxmlformats.org/presentationml/2006/main" mc:Ignorable="mv" mc:PreserveAttributes="mv:*">
+  <p:cSld>
+    <p:spTree>
+      <p:nvGrpSpPr>
+        <p:cNvPr id="1" name=""/>
+        <p:cNvGrpSpPr/>
+        <p:nvPr/>
+      </p:nvGrpSpPr>
+      <p:grpSpPr>
+        <a:xfrm>
+          <a:off x="0" y="0"/>
+          <a:ext cx="0" cy="0"/>
+          <a:chOff x="0" y="0"/>
+          <a:chExt cx="0" cy="0"/>
+        </a:xfrm>
+      </p:grpSpPr>
+      <p:sp>
+        <p:nvSpPr>
+          <p:cNvPr id="2" name="Slide Image Placeholder 1"/>
+          <p:cNvSpPr>
+            <a:spLocks noGrp="1" noRot="1" noChangeAspect="1"/>
+          </p:cNvSpPr>
+          <p:nvPr>
+            <p:ph type="sldImg"/>
+          </p:nvPr>
+        </p:nvSpPr>
+        <p:spPr/>
+      </p:sp>
+      <p:sp>
+        <p:nvSpPr>
+          <p:cNvPr id="3" name="Notes Placeholder 2"/>
+          <p:cNvSpPr>
+            <a:spLocks noGrp="1"/>
+          </p:cNvSpPr>
+          <p:nvPr>
+            <p:ph type="body" idx="1"/>
+          </p:nvPr>
+        </p:nvSpPr>
+        <p:spPr/>
+        <p:txBody>
+          <a:bodyPr>
+            <a:normAutofit/>
+          </a:bodyPr>
+          <a:lstStyle/>
+          <a:p>
+            <a:r>
+              <a:rPr lang="en-US" dirty="0" smtClean="0"/>
+              <a:t>Jason</a:t>
+            </a:r>
+            <a:endParaRPr lang="en-US" dirty="0"/>
+          </a:p>
+        </p:txBody>
+      </p:sp>
+      <p:sp>
+        <p:nvSpPr>
+          <p:cNvPr id="4" name="Slide Number Placeholder 3"/>
+          <p:cNvSpPr>
+            <a:spLocks noGrp="1"/>
+          </p:cNvSpPr>
+          <p:nvPr>
+            <p:ph type="sldNum" sz="quarter" idx="10"/>
+          </p:nvPr>
+        </p:nvSpPr>
+        <p:spPr/>
+        <p:txBody>
+          <a:bodyPr/>
+          <a:lstStyle/>
+          <a:p>
+            <a:fld id="{5E8F94D6-25B7-E54E-B9E8-5A4CF3D2C32A}" type="slidenum">
+              <a:rPr lang="en-US" smtClean="0"/>
+              <a:t>3</a:t>
+            </a:fld>
+            <a:endParaRPr lang="en-US"/>
+          </a:p>
+        </p:txBody>
+      </p:sp>
+    </p:spTree>
+  </p:cSld>
+  <p:clrMapOvr>
+    <a:masterClrMapping/>
+  </p:clrMapOvr>
+</p:notes>
+</file>
+
+<file path=ppt/notesSlides/notesSlide4.xml><?xml version="1.0" encoding="utf-8"?>
+<p:notes xmlns:a="http://schemas.openxmlformats.org/drawingml/2006/main" xmlns:r="http://schemas.openxmlformats.org/officeDocument/2006/relationships" xmlns:mc="http://schemas.openxmlformats.org/markup-compatibility/2006" xmlns:mv="urn:schemas-microsoft-com:mac:vml" xmlns:p="http://schemas.openxmlformats.org/presentationml/2006/main" mc:Ignorable="mv" mc:PreserveAttributes="mv:*">
+  <p:cSld>
+    <p:spTree>
+      <p:nvGrpSpPr>
+        <p:cNvPr id="1" name=""/>
+        <p:cNvGrpSpPr/>
+        <p:nvPr/>
+      </p:nvGrpSpPr>
+      <p:grpSpPr>
+        <a:xfrm>
+          <a:off x="0" y="0"/>
+          <a:ext cx="0" cy="0"/>
+          <a:chOff x="0" y="0"/>
+          <a:chExt cx="0" cy="0"/>
+        </a:xfrm>
+      </p:grpSpPr>
+      <p:sp>
+        <p:nvSpPr>
+          <p:cNvPr id="2" name="Slide Image Placeholder 1"/>
+          <p:cNvSpPr>
+            <a:spLocks noGrp="1" noRot="1" noChangeAspect="1"/>
+          </p:cNvSpPr>
+          <p:nvPr>
+            <p:ph type="sldImg"/>
+          </p:nvPr>
+        </p:nvSpPr>
+        <p:spPr/>
+      </p:sp>
+      <p:sp>
+        <p:nvSpPr>
+          <p:cNvPr id="3" name="Notes Placeholder 2"/>
+          <p:cNvSpPr>
+            <a:spLocks noGrp="1"/>
+          </p:cNvSpPr>
+          <p:nvPr>
+            <p:ph type="body" idx="1"/>
+          </p:nvPr>
+        </p:nvSpPr>
+        <p:spPr/>
+        <p:txBody>
+          <a:bodyPr>
+            <a:normAutofit/>
+          </a:bodyPr>
+          <a:lstStyle/>
+          <a:p>
+            <a:r>
+              <a:rPr lang="en-US" dirty="0" smtClean="0"/>
+              <a:t>Jason</a:t>
+            </a:r>
+            <a:endParaRPr lang="en-US" dirty="0"/>
+          </a:p>
+        </p:txBody>
+      </p:sp>
+      <p:sp>
+        <p:nvSpPr>
+          <p:cNvPr id="4" name="Slide Number Placeholder 3"/>
+          <p:cNvSpPr>
+            <a:spLocks noGrp="1"/>
+          </p:cNvSpPr>
+          <p:nvPr>
+            <p:ph type="sldNum" sz="quarter" idx="10"/>
+          </p:nvPr>
+        </p:nvSpPr>
+        <p:spPr/>
+        <p:txBody>
+          <a:bodyPr/>
+          <a:lstStyle/>
+          <a:p>
+            <a:fld id="{5E8F94D6-25B7-E54E-B9E8-5A4CF3D2C32A}" type="slidenum">
+              <a:rPr lang="en-US" smtClean="0"/>
+              <a:t>4</a:t>
+            </a:fld>
+            <a:endParaRPr lang="en-US"/>
+          </a:p>
+        </p:txBody>
+      </p:sp>
+    </p:spTree>
+  </p:cSld>
+  <p:clrMapOvr>
+    <a:masterClrMapping/>
+  </p:clrMapOvr>
+</p:notes>
+</file>
+
+<file path=ppt/notesSlides/notesSlide5.xml><?xml version="1.0" encoding="utf-8"?>
+<p:notes xmlns:a="http://schemas.openxmlformats.org/drawingml/2006/main" xmlns:r="http://schemas.openxmlformats.org/officeDocument/2006/relationships" xmlns:mc="http://schemas.openxmlformats.org/markup-compatibility/2006" xmlns:mv="urn:schemas-microsoft-com:mac:vml" xmlns:p="http://schemas.openxmlformats.org/presentationml/2006/main" mc:Ignorable="mv" mc:PreserveAttributes="mv:*">
+  <p:cSld>
+    <p:spTree>
+      <p:nvGrpSpPr>
+        <p:cNvPr id="1" name=""/>
+        <p:cNvGrpSpPr/>
+        <p:nvPr/>
+      </p:nvGrpSpPr>
+      <p:grpSpPr>
+        <a:xfrm>
+          <a:off x="0" y="0"/>
+          <a:ext cx="0" cy="0"/>
+          <a:chOff x="0" y="0"/>
+          <a:chExt cx="0" cy="0"/>
+        </a:xfrm>
+      </p:grpSpPr>
+      <p:sp>
+        <p:nvSpPr>
+          <p:cNvPr id="2" name="Slide Image Placeholder 1"/>
+          <p:cNvSpPr>
+            <a:spLocks noGrp="1" noRot="1" noChangeAspect="1"/>
+          </p:cNvSpPr>
+          <p:nvPr>
+            <p:ph type="sldImg"/>
+          </p:nvPr>
+        </p:nvSpPr>
+        <p:spPr/>
+      </p:sp>
+      <p:sp>
+        <p:nvSpPr>
+          <p:cNvPr id="3" name="Notes Placeholder 2"/>
+          <p:cNvSpPr>
+            <a:spLocks noGrp="1"/>
+          </p:cNvSpPr>
+          <p:nvPr>
+            <p:ph type="body" idx="1"/>
+          </p:nvPr>
+        </p:nvSpPr>
+        <p:spPr/>
+        <p:txBody>
+          <a:bodyPr>
+            <a:normAutofit/>
+          </a:bodyPr>
+          <a:lstStyle/>
+          <a:p>
+            <a:r>
+              <a:rPr lang="en-US" dirty="0" smtClean="0"/>
+              <a:t>Manya</a:t>
+            </a:r>
+            <a:endParaRPr lang="en-US" dirty="0"/>
+          </a:p>
+        </p:txBody>
+      </p:sp>
+      <p:sp>
+        <p:nvSpPr>
+          <p:cNvPr id="4" name="Slide Number Placeholder 3"/>
+          <p:cNvSpPr>
+            <a:spLocks noGrp="1"/>
+          </p:cNvSpPr>
+          <p:nvPr>
+            <p:ph type="sldNum" sz="quarter" idx="10"/>
+          </p:nvPr>
+        </p:nvSpPr>
+        <p:spPr/>
+        <p:txBody>
+          <a:bodyPr/>
+          <a:lstStyle/>
+          <a:p>
+            <a:fld id="{5E8F94D6-25B7-E54E-B9E8-5A4CF3D2C32A}" type="slidenum">
+              <a:rPr lang="en-US" smtClean="0"/>
+              <a:t>5</a:t>
+            </a:fld>
+            <a:endParaRPr lang="en-US"/>
+          </a:p>
+        </p:txBody>
+      </p:sp>
+    </p:spTree>
+  </p:cSld>
+  <p:clrMapOvr>
+    <a:masterClrMapping/>
+  </p:clrMapOvr>
+</p:notes>
+</file>
+
+<file path=ppt/notesSlides/notesSlide6.xml><?xml version="1.0" encoding="utf-8"?>
+<p:notes xmlns:a="http://schemas.openxmlformats.org/drawingml/2006/main" xmlns:r="http://schemas.openxmlformats.org/officeDocument/2006/relationships" xmlns:mc="http://schemas.openxmlformats.org/markup-compatibility/2006" xmlns:mv="urn:schemas-microsoft-com:mac:vml" xmlns:p="http://schemas.openxmlformats.org/presentationml/2006/main" mc:Ignorable="mv" mc:PreserveAttributes="mv:*">
+  <p:cSld>
+    <p:spTree>
+      <p:nvGrpSpPr>
+        <p:cNvPr id="1" name=""/>
+        <p:cNvGrpSpPr/>
+        <p:nvPr/>
+      </p:nvGrpSpPr>
+      <p:grpSpPr>
+        <a:xfrm>
+          <a:off x="0" y="0"/>
+          <a:ext cx="0" cy="0"/>
+          <a:chOff x="0" y="0"/>
+          <a:chExt cx="0" cy="0"/>
+        </a:xfrm>
+      </p:grpSpPr>
+      <p:sp>
+        <p:nvSpPr>
+          <p:cNvPr id="2" name="Slide Image Placeholder 1"/>
+          <p:cNvSpPr>
+            <a:spLocks noGrp="1" noRot="1" noChangeAspect="1"/>
+          </p:cNvSpPr>
+          <p:nvPr>
+            <p:ph type="sldImg"/>
+          </p:nvPr>
+        </p:nvSpPr>
+        <p:spPr/>
+      </p:sp>
+      <p:sp>
+        <p:nvSpPr>
+          <p:cNvPr id="3" name="Notes Placeholder 2"/>
+          <p:cNvSpPr>
+            <a:spLocks noGrp="1"/>
+          </p:cNvSpPr>
+          <p:nvPr>
+            <p:ph type="body" idx="1"/>
+          </p:nvPr>
+        </p:nvSpPr>
+        <p:spPr/>
+        <p:txBody>
+          <a:bodyPr>
+            <a:normAutofit/>
+          </a:bodyPr>
+          <a:lstStyle/>
+          <a:p>
+            <a:r>
+              <a:rPr lang="en-US" dirty="0" smtClean="0"/>
+              <a:t>Manya</a:t>
+            </a:r>
+            <a:endParaRPr lang="en-US" dirty="0"/>
+          </a:p>
+        </p:txBody>
+      </p:sp>
+      <p:sp>
+        <p:nvSpPr>
+          <p:cNvPr id="4" name="Slide Number Placeholder 3"/>
+          <p:cNvSpPr>
+            <a:spLocks noGrp="1"/>
+          </p:cNvSpPr>
+          <p:nvPr>
+            <p:ph type="sldNum" sz="quarter" idx="10"/>
+          </p:nvPr>
+        </p:nvSpPr>
+        <p:spPr/>
+        <p:txBody>
+          <a:bodyPr/>
+          <a:lstStyle/>
+          <a:p>
+            <a:fld id="{5E8F94D6-25B7-E54E-B9E8-5A4CF3D2C32A}" type="slidenum">
+              <a:rPr lang="en-US" smtClean="0"/>
+              <a:t>6</a:t>
+            </a:fld>
+            <a:endParaRPr lang="en-US"/>
+          </a:p>
+        </p:txBody>
+      </p:sp>
+    </p:spTree>
+  </p:cSld>
+  <p:clrMapOvr>
+    <a:masterClrMapping/>
+  </p:clrMapOvr>
+</p:notes>
+</file>
+
+<file path=ppt/notesSlides/notesSlide7.xml><?xml version="1.0" encoding="utf-8"?>
+<p:notes xmlns:a="http://schemas.openxmlformats.org/drawingml/2006/main" xmlns:r="http://schemas.openxmlformats.org/officeDocument/2006/relationships" xmlns:mc="http://schemas.openxmlformats.org/markup-compatibility/2006" xmlns:mv="urn:schemas-microsoft-com:mac:vml" xmlns:p="http://schemas.openxmlformats.org/presentationml/2006/main" mc:Ignorable="mv" mc:PreserveAttributes="mv:*">
+  <p:cSld>
+    <p:spTree>
+      <p:nvGrpSpPr>
+        <p:cNvPr id="1" name=""/>
+        <p:cNvGrpSpPr/>
+        <p:nvPr/>
+      </p:nvGrpSpPr>
+      <p:grpSpPr>
+        <a:xfrm>
+          <a:off x="0" y="0"/>
+          <a:ext cx="0" cy="0"/>
+          <a:chOff x="0" y="0"/>
+          <a:chExt cx="0" cy="0"/>
+        </a:xfrm>
+      </p:grpSpPr>
+      <p:sp>
+        <p:nvSpPr>
+          <p:cNvPr id="2" name="Slide Image Placeholder 1"/>
+          <p:cNvSpPr>
+            <a:spLocks noGrp="1" noRot="1" noChangeAspect="1"/>
+          </p:cNvSpPr>
+          <p:nvPr>
+            <p:ph type="sldImg"/>
+          </p:nvPr>
+        </p:nvSpPr>
+        <p:spPr/>
+      </p:sp>
+      <p:sp>
+        <p:nvSpPr>
+          <p:cNvPr id="3" name="Notes Placeholder 2"/>
+          <p:cNvSpPr>
+            <a:spLocks noGrp="1"/>
+          </p:cNvSpPr>
+          <p:nvPr>
+            <p:ph type="body" idx="1"/>
+          </p:nvPr>
+        </p:nvSpPr>
+        <p:spPr/>
+        <p:txBody>
+          <a:bodyPr>
+            <a:normAutofit/>
+          </a:bodyPr>
+          <a:lstStyle/>
+          <a:p>
+            <a:r>
+              <a:rPr lang="en-US" dirty="0" smtClean="0"/>
+              <a:t>Manya</a:t>
+            </a:r>
+            <a:endParaRPr lang="en-US" dirty="0"/>
+          </a:p>
+        </p:txBody>
+      </p:sp>
+      <p:sp>
+        <p:nvSpPr>
+          <p:cNvPr id="4" name="Slide Number Placeholder 3"/>
+          <p:cNvSpPr>
+            <a:spLocks noGrp="1"/>
+          </p:cNvSpPr>
+          <p:nvPr>
+            <p:ph type="sldNum" sz="quarter" idx="10"/>
+          </p:nvPr>
+        </p:nvSpPr>
+        <p:spPr/>
+        <p:txBody>
+          <a:bodyPr/>
+          <a:lstStyle/>
+          <a:p>
+            <a:fld id="{5E8F94D6-25B7-E54E-B9E8-5A4CF3D2C32A}" type="slidenum">
+              <a:rPr lang="en-US" smtClean="0"/>
+              <a:t>7</a:t>
+            </a:fld>
+            <a:endParaRPr lang="en-US"/>
+          </a:p>
+        </p:txBody>
+      </p:sp>
+    </p:spTree>
+  </p:cSld>
+  <p:clrMapOvr>
+    <a:masterClrMapping/>
+  </p:clrMapOvr>
+</p:notes>
+</file>
+
+<file path=ppt/notesSlides/notesSlide8.xml><?xml version="1.0" encoding="utf-8"?>
+<p:notes xmlns:a="http://schemas.openxmlformats.org/drawingml/2006/main" xmlns:r="http://schemas.openxmlformats.org/officeDocument/2006/relationships" xmlns:mc="http://schemas.openxmlformats.org/markup-compatibility/2006" xmlns:mv="urn:schemas-microsoft-com:mac:vml" xmlns:p="http://schemas.openxmlformats.org/presentationml/2006/main" mc:Ignorable="mv" mc:PreserveAttributes="mv:*">
+  <p:cSld>
+    <p:spTree>
+      <p:nvGrpSpPr>
+        <p:cNvPr id="1" name=""/>
+        <p:cNvGrpSpPr/>
+        <p:nvPr/>
+      </p:nvGrpSpPr>
+      <p:grpSpPr>
+        <a:xfrm>
+          <a:off x="0" y="0"/>
+          <a:ext cx="0" cy="0"/>
+          <a:chOff x="0" y="0"/>
+          <a:chExt cx="0" cy="0"/>
+        </a:xfrm>
+      </p:grpSpPr>
+      <p:sp>
+        <p:nvSpPr>
+          <p:cNvPr id="2" name="Slide Image Placeholder 1"/>
+          <p:cNvSpPr>
+            <a:spLocks noGrp="1" noRot="1" noChangeAspect="1"/>
+          </p:cNvSpPr>
+          <p:nvPr>
+            <p:ph type="sldImg"/>
+          </p:nvPr>
+        </p:nvSpPr>
+        <p:spPr/>
+      </p:sp>
+      <p:sp>
+        <p:nvSpPr>
+          <p:cNvPr id="3" name="Notes Placeholder 2"/>
+          <p:cNvSpPr>
+            <a:spLocks noGrp="1"/>
+          </p:cNvSpPr>
+          <p:nvPr>
+            <p:ph type="body" idx="1"/>
+          </p:nvPr>
+        </p:nvSpPr>
+        <p:spPr/>
+        <p:txBody>
+          <a:bodyPr>
+            <a:normAutofit/>
+          </a:bodyPr>
+          <a:lstStyle/>
+          <a:p>
+            <a:pPr lvl="1"/>
+            <a:r>
+              <a:rPr lang="en-US" dirty="0" smtClean="0"/>
+              <a:t>Manya</a:t>
+            </a:r>
+          </a:p>
+          <a:p>
             <a:pPr lvl="1"/>
             <a:r>
               <a:rPr lang="en-US" dirty="0" smtClean="0"/>
@@ -566,6 +1254,91 @@
             <a:fld id="{5E8F94D6-25B7-E54E-B9E8-5A4CF3D2C32A}" type="slidenum">
               <a:rPr lang="en-US" smtClean="0"/>
               <a:t>8</a:t>
+            </a:fld>
+            <a:endParaRPr lang="en-US"/>
+          </a:p>
+        </p:txBody>
+      </p:sp>
+    </p:spTree>
+  </p:cSld>
+  <p:clrMapOvr>
+    <a:masterClrMapping/>
+  </p:clrMapOvr>
+</p:notes>
+</file>
+
+<file path=ppt/notesSlides/notesSlide9.xml><?xml version="1.0" encoding="utf-8"?>
+<p:notes xmlns:a="http://schemas.openxmlformats.org/drawingml/2006/main" xmlns:r="http://schemas.openxmlformats.org/officeDocument/2006/relationships" xmlns:mc="http://schemas.openxmlformats.org/markup-compatibility/2006" xmlns:mv="urn:schemas-microsoft-com:mac:vml" xmlns:p="http://schemas.openxmlformats.org/presentationml/2006/main" mc:Ignorable="mv" mc:PreserveAttributes="mv:*">
+  <p:cSld>
+    <p:spTree>
+      <p:nvGrpSpPr>
+        <p:cNvPr id="1" name=""/>
+        <p:cNvGrpSpPr/>
+        <p:nvPr/>
+      </p:nvGrpSpPr>
+      <p:grpSpPr>
+        <a:xfrm>
+          <a:off x="0" y="0"/>
+          <a:ext cx="0" cy="0"/>
+          <a:chOff x="0" y="0"/>
+          <a:chExt cx="0" cy="0"/>
+        </a:xfrm>
+      </p:grpSpPr>
+      <p:sp>
+        <p:nvSpPr>
+          <p:cNvPr id="2" name="Slide Image Placeholder 1"/>
+          <p:cNvSpPr>
+            <a:spLocks noGrp="1" noRot="1" noChangeAspect="1"/>
+          </p:cNvSpPr>
+          <p:nvPr>
+            <p:ph type="sldImg"/>
+          </p:nvPr>
+        </p:nvSpPr>
+        <p:spPr/>
+      </p:sp>
+      <p:sp>
+        <p:nvSpPr>
+          <p:cNvPr id="3" name="Notes Placeholder 2"/>
+          <p:cNvSpPr>
+            <a:spLocks noGrp="1"/>
+          </p:cNvSpPr>
+          <p:nvPr>
+            <p:ph type="body" idx="1"/>
+          </p:nvPr>
+        </p:nvSpPr>
+        <p:spPr/>
+        <p:txBody>
+          <a:bodyPr>
+            <a:normAutofit/>
+          </a:bodyPr>
+          <a:lstStyle/>
+          <a:p>
+            <a:r>
+              <a:rPr lang="en-US" dirty="0" smtClean="0"/>
+              <a:t>Jason</a:t>
+            </a:r>
+            <a:endParaRPr lang="en-US" dirty="0"/>
+          </a:p>
+        </p:txBody>
+      </p:sp>
+      <p:sp>
+        <p:nvSpPr>
+          <p:cNvPr id="4" name="Slide Number Placeholder 3"/>
+          <p:cNvSpPr>
+            <a:spLocks noGrp="1"/>
+          </p:cNvSpPr>
+          <p:nvPr>
+            <p:ph type="sldNum" sz="quarter" idx="10"/>
+          </p:nvPr>
+        </p:nvSpPr>
+        <p:spPr/>
+        <p:txBody>
+          <a:bodyPr/>
+          <a:lstStyle/>
+          <a:p>
+            <a:fld id="{5E8F94D6-25B7-E54E-B9E8-5A4CF3D2C32A}" type="slidenum">
+              <a:rPr lang="en-US" smtClean="0"/>
+              <a:t>9</a:t>
             </a:fld>
             <a:endParaRPr lang="en-US"/>
           </a:p>
@@ -3666,6 +4439,13 @@
   <p:clrMapOvr>
     <a:masterClrMapping/>
   </p:clrMapOvr>
+  <p:timing>
+    <p:tnLst>
+      <p:par>
+        <p:cTn id="1" dur="indefinite" restart="never" nodeType="tmRoot"/>
+      </p:par>
+    </p:tnLst>
+  </p:timing>
 </p:sld>
 </file>
 
@@ -3766,6 +4546,66 @@
         <p14:creationId xmlns="" xmlns:a="http://schemas.openxmlformats.org/drawingml/2006/main" xmlns:r="http://schemas.openxmlformats.org/officeDocument/2006/relationships" xmlns:p="http://schemas.openxmlformats.org/presentationml/2006/main" xmlns:p14="http://schemas.microsoft.com/office/powerpoint/2010/main" xmlns:mv="urn:schemas-microsoft-com:mac:vml" xmlns:mc="http://schemas.openxmlformats.org/markup-compatibility/2006" val="3866864876"/>
       </p:ext>
     </p:extLst>
+  </p:cSld>
+  <p:clrMapOvr>
+    <a:masterClrMapping/>
+  </p:clrMapOvr>
+  <p:timing>
+    <p:tnLst>
+      <p:par>
+        <p:cTn id="1" dur="indefinite" restart="never" nodeType="tmRoot"/>
+      </p:par>
+    </p:tnLst>
+  </p:timing>
+</p:sld>
+</file>
+
+<file path=ppt/slides/slide11.xml><?xml version="1.0" encoding="utf-8"?>
+<p:sld xmlns:a="http://schemas.openxmlformats.org/drawingml/2006/main" xmlns:r="http://schemas.openxmlformats.org/officeDocument/2006/relationships" xmlns:mc="http://schemas.openxmlformats.org/markup-compatibility/2006" xmlns:mv="urn:schemas-microsoft-com:mac:vml" xmlns:p="http://schemas.openxmlformats.org/presentationml/2006/main" mc:Ignorable="mv" mc:PreserveAttributes="mv:*">
+  <p:cSld>
+    <p:spTree>
+      <p:nvGrpSpPr>
+        <p:cNvPr id="1" name=""/>
+        <p:cNvGrpSpPr/>
+        <p:nvPr/>
+      </p:nvGrpSpPr>
+      <p:grpSpPr>
+        <a:xfrm>
+          <a:off x="0" y="0"/>
+          <a:ext cx="0" cy="0"/>
+          <a:chOff x="0" y="0"/>
+          <a:chExt cx="0" cy="0"/>
+        </a:xfrm>
+      </p:grpSpPr>
+      <p:sp>
+        <p:nvSpPr>
+          <p:cNvPr id="2" name="Title 1"/>
+          <p:cNvSpPr>
+            <a:spLocks noGrp="1"/>
+          </p:cNvSpPr>
+          <p:nvPr>
+            <p:ph type="title"/>
+          </p:nvPr>
+        </p:nvSpPr>
+        <p:spPr>
+          <a:xfrm>
+            <a:off x="457200" y="2209800"/>
+            <a:ext cx="8229600" cy="1143000"/>
+          </a:xfrm>
+        </p:spPr>
+        <p:txBody>
+          <a:bodyPr/>
+          <a:lstStyle/>
+          <a:p>
+            <a:r>
+              <a:rPr lang="en-US" dirty="0" smtClean="0"/>
+              <a:t>Questions?</a:t>
+            </a:r>
+            <a:endParaRPr lang="en-US" dirty="0"/>
+          </a:p>
+        </p:txBody>
+      </p:sp>
+    </p:spTree>
   </p:cSld>
   <p:clrMapOvr>
     <a:masterClrMapping/>
@@ -3876,6 +4716,13 @@
   <p:clrMapOvr>
     <a:masterClrMapping/>
   </p:clrMapOvr>
+  <p:timing>
+    <p:tnLst>
+      <p:par>
+        <p:cTn id="1" dur="indefinite" restart="never" nodeType="tmRoot"/>
+      </p:par>
+    </p:tnLst>
+  </p:timing>
 </p:sld>
 </file>
 
@@ -3974,6 +4821,13 @@
   <p:clrMapOvr>
     <a:masterClrMapping/>
   </p:clrMapOvr>
+  <p:timing>
+    <p:tnLst>
+      <p:par>
+        <p:cTn id="1" dur="indefinite" restart="never" nodeType="tmRoot"/>
+      </p:par>
+    </p:tnLst>
+  </p:timing>
 </p:sld>
 </file>
 
@@ -4244,6 +5098,13 @@
   <p:clrMapOvr>
     <a:masterClrMapping/>
   </p:clrMapOvr>
+  <p:timing>
+    <p:tnLst>
+      <p:par>
+        <p:cTn id="1" dur="indefinite" restart="never" nodeType="tmRoot"/>
+      </p:par>
+    </p:tnLst>
+  </p:timing>
 </p:sld>
 </file>
 
@@ -4379,6 +5240,13 @@
   <p:clrMapOvr>
     <a:masterClrMapping/>
   </p:clrMapOvr>
+  <p:timing>
+    <p:tnLst>
+      <p:par>
+        <p:cTn id="1" dur="indefinite" restart="never" nodeType="tmRoot"/>
+      </p:par>
+    </p:tnLst>
+  </p:timing>
 </p:sld>
 </file>
 
@@ -4512,6 +5380,13 @@
   <p:clrMapOvr>
     <a:masterClrMapping/>
   </p:clrMapOvr>
+  <p:timing>
+    <p:tnLst>
+      <p:par>
+        <p:cTn id="1" dur="indefinite" restart="never" nodeType="tmRoot"/>
+      </p:par>
+    </p:tnLst>
+  </p:timing>
 </p:sld>
 </file>
 
@@ -4651,6 +5526,13 @@
   <p:clrMapOvr>
     <a:masterClrMapping/>
   </p:clrMapOvr>
+  <p:timing>
+    <p:tnLst>
+      <p:par>
+        <p:cTn id="1" dur="indefinite" restart="never" nodeType="tmRoot"/>
+      </p:par>
+    </p:tnLst>
+  </p:timing>
 </p:sld>
 </file>
 
@@ -4758,6 +5640,13 @@
   <p:clrMapOvr>
     <a:masterClrMapping/>
   </p:clrMapOvr>
+  <p:timing>
+    <p:tnLst>
+      <p:par>
+        <p:cTn id="1" dur="indefinite" restart="never" nodeType="tmRoot"/>
+      </p:par>
+    </p:tnLst>
+  </p:timing>
 </p:sld>
 </file>
 
@@ -4810,7 +5699,7 @@
           <p:nvPr/>
         </p:nvPicPr>
         <p:blipFill>
-          <a:blip r:embed="rId2"/>
+          <a:blip r:embed="rId3"/>
           <a:stretch>
             <a:fillRect/>
           </a:stretch>
@@ -4835,6 +5724,13 @@
   <p:clrMapOvr>
     <a:masterClrMapping/>
   </p:clrMapOvr>
+  <p:timing>
+    <p:tnLst>
+      <p:par>
+        <p:cTn id="1" dur="indefinite" restart="never" nodeType="tmRoot"/>
+      </p:par>
+    </p:tnLst>
+  </p:timing>
 </p:sld>
 </file>
 

--- a/ProgressReport/20111101ProgRepPresv1.pptx
+++ b/ProgressReport/20111101ProgRepPresv1.pptx
@@ -202,7 +202,8 @@
           <a:p>
             <a:fld id="{5E2C8799-F3A1-7F4D-B454-24DB02F12A8B}" type="datetimeFigureOut">
               <a:rPr lang="en-US" smtClean="0"/>
-              <a:t>11/2/11</a:t>
+              <a:pPr/>
+              <a:t>11/3/11</a:t>
             </a:fld>
             <a:endParaRPr lang="en-US"/>
           </a:p>
@@ -363,6 +364,7 @@
           <a:p>
             <a:fld id="{5E8F94D6-25B7-E54E-B9E8-5A4CF3D2C32A}" type="slidenum">
               <a:rPr lang="en-US" smtClean="0"/>
+              <a:pPr/>
               <a:t>‹#›</a:t>
             </a:fld>
             <a:endParaRPr lang="en-US"/>
@@ -538,6 +540,7 @@
           <a:p>
             <a:fld id="{5E8F94D6-25B7-E54E-B9E8-5A4CF3D2C32A}" type="slidenum">
               <a:rPr lang="en-US" smtClean="0"/>
+              <a:pPr/>
               <a:t>1</a:t>
             </a:fld>
             <a:endParaRPr lang="en-US"/>
@@ -623,6 +626,7 @@
           <a:p>
             <a:fld id="{5E8F94D6-25B7-E54E-B9E8-5A4CF3D2C32A}" type="slidenum">
               <a:rPr lang="en-US" smtClean="0"/>
+              <a:pPr/>
               <a:t>10</a:t>
             </a:fld>
             <a:endParaRPr lang="en-US"/>
@@ -708,6 +712,7 @@
           <a:p>
             <a:fld id="{5E8F94D6-25B7-E54E-B9E8-5A4CF3D2C32A}" type="slidenum">
               <a:rPr lang="en-US" smtClean="0"/>
+              <a:pPr/>
               <a:t>2</a:t>
             </a:fld>
             <a:endParaRPr lang="en-US"/>
@@ -793,6 +798,7 @@
           <a:p>
             <a:fld id="{5E8F94D6-25B7-E54E-B9E8-5A4CF3D2C32A}" type="slidenum">
               <a:rPr lang="en-US" smtClean="0"/>
+              <a:pPr/>
               <a:t>3</a:t>
             </a:fld>
             <a:endParaRPr lang="en-US"/>
@@ -878,6 +884,7 @@
           <a:p>
             <a:fld id="{5E8F94D6-25B7-E54E-B9E8-5A4CF3D2C32A}" type="slidenum">
               <a:rPr lang="en-US" smtClean="0"/>
+              <a:pPr/>
               <a:t>4</a:t>
             </a:fld>
             <a:endParaRPr lang="en-US"/>
@@ -963,6 +970,7 @@
           <a:p>
             <a:fld id="{5E8F94D6-25B7-E54E-B9E8-5A4CF3D2C32A}" type="slidenum">
               <a:rPr lang="en-US" smtClean="0"/>
+              <a:pPr/>
               <a:t>5</a:t>
             </a:fld>
             <a:endParaRPr lang="en-US"/>
@@ -1048,6 +1056,7 @@
           <a:p>
             <a:fld id="{5E8F94D6-25B7-E54E-B9E8-5A4CF3D2C32A}" type="slidenum">
               <a:rPr lang="en-US" smtClean="0"/>
+              <a:pPr/>
               <a:t>6</a:t>
             </a:fld>
             <a:endParaRPr lang="en-US"/>
@@ -1133,6 +1142,7 @@
           <a:p>
             <a:fld id="{5E8F94D6-25B7-E54E-B9E8-5A4CF3D2C32A}" type="slidenum">
               <a:rPr lang="en-US" smtClean="0"/>
+              <a:pPr/>
               <a:t>7</a:t>
             </a:fld>
             <a:endParaRPr lang="en-US"/>
@@ -1253,6 +1263,7 @@
           <a:p>
             <a:fld id="{5E8F94D6-25B7-E54E-B9E8-5A4CF3D2C32A}" type="slidenum">
               <a:rPr lang="en-US" smtClean="0"/>
+              <a:pPr/>
               <a:t>8</a:t>
             </a:fld>
             <a:endParaRPr lang="en-US"/>
@@ -1338,6 +1349,7 @@
           <a:p>
             <a:fld id="{5E8F94D6-25B7-E54E-B9E8-5A4CF3D2C32A}" type="slidenum">
               <a:rPr lang="en-US" smtClean="0"/>
+              <a:pPr/>
               <a:t>9</a:t>
             </a:fld>
             <a:endParaRPr lang="en-US"/>
@@ -1534,7 +1546,7 @@
             <a:fld id="{606C60E0-BED4-4B4F-8608-BBFB7BFF5248}" type="datetimeFigureOut">
               <a:rPr lang="en-US" smtClean="0"/>
               <a:pPr/>
-              <a:t>11/2/11</a:t>
+              <a:t>11/3/11</a:t>
             </a:fld>
             <a:endParaRPr lang="en-US"/>
           </a:p>
@@ -1586,7 +1598,7 @@
     </p:spTree>
     <p:extLst>
       <p:ext uri="{BB962C8B-B14F-4D97-AF65-F5344CB8AC3E}">
-        <p14:creationId xmlns="" xmlns:a="http://schemas.openxmlformats.org/drawingml/2006/main" xmlns:r="http://schemas.openxmlformats.org/officeDocument/2006/relationships" xmlns:p="http://schemas.openxmlformats.org/presentationml/2006/main" xmlns:p14="http://schemas.microsoft.com/office/powerpoint/2010/main" xmlns:mv="urn:schemas-microsoft-com:mac:vml" xmlns:mc="http://schemas.openxmlformats.org/markup-compatibility/2006" val="3430237613"/>
+        <p14:creationId xmlns:mc="http://schemas.openxmlformats.org/markup-compatibility/2006" xmlns:mv="urn:schemas-microsoft-com:mac:vml" xmlns:p14="http://schemas.microsoft.com/office/powerpoint/2010/main" xmlns:p="http://schemas.openxmlformats.org/presentationml/2006/main" xmlns:r="http://schemas.openxmlformats.org/officeDocument/2006/relationships" xmlns:a="http://schemas.openxmlformats.org/drawingml/2006/main" xmlns="" val="3430237613"/>
       </p:ext>
     </p:extLst>
   </p:cSld>
@@ -1706,7 +1718,7 @@
             <a:fld id="{606C60E0-BED4-4B4F-8608-BBFB7BFF5248}" type="datetimeFigureOut">
               <a:rPr lang="en-US" smtClean="0"/>
               <a:pPr/>
-              <a:t>11/2/11</a:t>
+              <a:t>11/3/11</a:t>
             </a:fld>
             <a:endParaRPr lang="en-US"/>
           </a:p>
@@ -1758,7 +1770,7 @@
     </p:spTree>
     <p:extLst>
       <p:ext uri="{BB962C8B-B14F-4D97-AF65-F5344CB8AC3E}">
-        <p14:creationId xmlns="" xmlns:a="http://schemas.openxmlformats.org/drawingml/2006/main" xmlns:r="http://schemas.openxmlformats.org/officeDocument/2006/relationships" xmlns:p="http://schemas.openxmlformats.org/presentationml/2006/main" xmlns:p14="http://schemas.microsoft.com/office/powerpoint/2010/main" xmlns:mv="urn:schemas-microsoft-com:mac:vml" xmlns:mc="http://schemas.openxmlformats.org/markup-compatibility/2006" val="3301602369"/>
+        <p14:creationId xmlns:mc="http://schemas.openxmlformats.org/markup-compatibility/2006" xmlns:mv="urn:schemas-microsoft-com:mac:vml" xmlns:p14="http://schemas.microsoft.com/office/powerpoint/2010/main" xmlns:p="http://schemas.openxmlformats.org/presentationml/2006/main" xmlns:r="http://schemas.openxmlformats.org/officeDocument/2006/relationships" xmlns:a="http://schemas.openxmlformats.org/drawingml/2006/main" xmlns="" val="3301602369"/>
       </p:ext>
     </p:extLst>
   </p:cSld>
@@ -1888,7 +1900,7 @@
             <a:fld id="{606C60E0-BED4-4B4F-8608-BBFB7BFF5248}" type="datetimeFigureOut">
               <a:rPr lang="en-US" smtClean="0"/>
               <a:pPr/>
-              <a:t>11/2/11</a:t>
+              <a:t>11/3/11</a:t>
             </a:fld>
             <a:endParaRPr lang="en-US"/>
           </a:p>
@@ -1940,7 +1952,7 @@
     </p:spTree>
     <p:extLst>
       <p:ext uri="{BB962C8B-B14F-4D97-AF65-F5344CB8AC3E}">
-        <p14:creationId xmlns="" xmlns:a="http://schemas.openxmlformats.org/drawingml/2006/main" xmlns:r="http://schemas.openxmlformats.org/officeDocument/2006/relationships" xmlns:p="http://schemas.openxmlformats.org/presentationml/2006/main" xmlns:p14="http://schemas.microsoft.com/office/powerpoint/2010/main" xmlns:mv="urn:schemas-microsoft-com:mac:vml" xmlns:mc="http://schemas.openxmlformats.org/markup-compatibility/2006" val="2713151132"/>
+        <p14:creationId xmlns:mc="http://schemas.openxmlformats.org/markup-compatibility/2006" xmlns:mv="urn:schemas-microsoft-com:mac:vml" xmlns:p14="http://schemas.microsoft.com/office/powerpoint/2010/main" xmlns:p="http://schemas.openxmlformats.org/presentationml/2006/main" xmlns:r="http://schemas.openxmlformats.org/officeDocument/2006/relationships" xmlns:a="http://schemas.openxmlformats.org/drawingml/2006/main" xmlns="" val="2713151132"/>
       </p:ext>
     </p:extLst>
   </p:cSld>
@@ -2060,7 +2072,7 @@
             <a:fld id="{606C60E0-BED4-4B4F-8608-BBFB7BFF5248}" type="datetimeFigureOut">
               <a:rPr lang="en-US" smtClean="0"/>
               <a:pPr/>
-              <a:t>11/2/11</a:t>
+              <a:t>11/3/11</a:t>
             </a:fld>
             <a:endParaRPr lang="en-US"/>
           </a:p>
@@ -2112,7 +2124,7 @@
     </p:spTree>
     <p:extLst>
       <p:ext uri="{BB962C8B-B14F-4D97-AF65-F5344CB8AC3E}">
-        <p14:creationId xmlns="" xmlns:a="http://schemas.openxmlformats.org/drawingml/2006/main" xmlns:r="http://schemas.openxmlformats.org/officeDocument/2006/relationships" xmlns:p="http://schemas.openxmlformats.org/presentationml/2006/main" xmlns:p14="http://schemas.microsoft.com/office/powerpoint/2010/main" xmlns:mv="urn:schemas-microsoft-com:mac:vml" xmlns:mc="http://schemas.openxmlformats.org/markup-compatibility/2006" val="1457998794"/>
+        <p14:creationId xmlns:mc="http://schemas.openxmlformats.org/markup-compatibility/2006" xmlns:mv="urn:schemas-microsoft-com:mac:vml" xmlns:p14="http://schemas.microsoft.com/office/powerpoint/2010/main" xmlns:p="http://schemas.openxmlformats.org/presentationml/2006/main" xmlns:r="http://schemas.openxmlformats.org/officeDocument/2006/relationships" xmlns:a="http://schemas.openxmlformats.org/drawingml/2006/main" xmlns="" val="1457998794"/>
       </p:ext>
     </p:extLst>
   </p:cSld>
@@ -2308,7 +2320,7 @@
             <a:fld id="{606C60E0-BED4-4B4F-8608-BBFB7BFF5248}" type="datetimeFigureOut">
               <a:rPr lang="en-US" smtClean="0"/>
               <a:pPr/>
-              <a:t>11/2/11</a:t>
+              <a:t>11/3/11</a:t>
             </a:fld>
             <a:endParaRPr lang="en-US"/>
           </a:p>
@@ -2360,7 +2372,7 @@
     </p:spTree>
     <p:extLst>
       <p:ext uri="{BB962C8B-B14F-4D97-AF65-F5344CB8AC3E}">
-        <p14:creationId xmlns="" xmlns:a="http://schemas.openxmlformats.org/drawingml/2006/main" xmlns:r="http://schemas.openxmlformats.org/officeDocument/2006/relationships" xmlns:p="http://schemas.openxmlformats.org/presentationml/2006/main" xmlns:p14="http://schemas.microsoft.com/office/powerpoint/2010/main" xmlns:mv="urn:schemas-microsoft-com:mac:vml" xmlns:mc="http://schemas.openxmlformats.org/markup-compatibility/2006" val="1790945515"/>
+        <p14:creationId xmlns:mc="http://schemas.openxmlformats.org/markup-compatibility/2006" xmlns:mv="urn:schemas-microsoft-com:mac:vml" xmlns:p14="http://schemas.microsoft.com/office/powerpoint/2010/main" xmlns:p="http://schemas.openxmlformats.org/presentationml/2006/main" xmlns:r="http://schemas.openxmlformats.org/officeDocument/2006/relationships" xmlns:a="http://schemas.openxmlformats.org/drawingml/2006/main" xmlns="" val="1790945515"/>
       </p:ext>
     </p:extLst>
   </p:cSld>
@@ -2598,7 +2610,7 @@
             <a:fld id="{606C60E0-BED4-4B4F-8608-BBFB7BFF5248}" type="datetimeFigureOut">
               <a:rPr lang="en-US" smtClean="0"/>
               <a:pPr/>
-              <a:t>11/2/11</a:t>
+              <a:t>11/3/11</a:t>
             </a:fld>
             <a:endParaRPr lang="en-US"/>
           </a:p>
@@ -2650,7 +2662,7 @@
     </p:spTree>
     <p:extLst>
       <p:ext uri="{BB962C8B-B14F-4D97-AF65-F5344CB8AC3E}">
-        <p14:creationId xmlns="" xmlns:a="http://schemas.openxmlformats.org/drawingml/2006/main" xmlns:r="http://schemas.openxmlformats.org/officeDocument/2006/relationships" xmlns:p="http://schemas.openxmlformats.org/presentationml/2006/main" xmlns:p14="http://schemas.microsoft.com/office/powerpoint/2010/main" xmlns:mv="urn:schemas-microsoft-com:mac:vml" xmlns:mc="http://schemas.openxmlformats.org/markup-compatibility/2006" val="635387638"/>
+        <p14:creationId xmlns:mc="http://schemas.openxmlformats.org/markup-compatibility/2006" xmlns:mv="urn:schemas-microsoft-com:mac:vml" xmlns:p14="http://schemas.microsoft.com/office/powerpoint/2010/main" xmlns:p="http://schemas.openxmlformats.org/presentationml/2006/main" xmlns:r="http://schemas.openxmlformats.org/officeDocument/2006/relationships" xmlns:a="http://schemas.openxmlformats.org/drawingml/2006/main" xmlns="" val="635387638"/>
       </p:ext>
     </p:extLst>
   </p:cSld>
@@ -3022,7 +3034,7 @@
             <a:fld id="{606C60E0-BED4-4B4F-8608-BBFB7BFF5248}" type="datetimeFigureOut">
               <a:rPr lang="en-US" smtClean="0"/>
               <a:pPr/>
-              <a:t>11/2/11</a:t>
+              <a:t>11/3/11</a:t>
             </a:fld>
             <a:endParaRPr lang="en-US"/>
           </a:p>
@@ -3074,7 +3086,7 @@
     </p:spTree>
     <p:extLst>
       <p:ext uri="{BB962C8B-B14F-4D97-AF65-F5344CB8AC3E}">
-        <p14:creationId xmlns="" xmlns:a="http://schemas.openxmlformats.org/drawingml/2006/main" xmlns:r="http://schemas.openxmlformats.org/officeDocument/2006/relationships" xmlns:p="http://schemas.openxmlformats.org/presentationml/2006/main" xmlns:p14="http://schemas.microsoft.com/office/powerpoint/2010/main" xmlns:mv="urn:schemas-microsoft-com:mac:vml" xmlns:mc="http://schemas.openxmlformats.org/markup-compatibility/2006" val="1726090686"/>
+        <p14:creationId xmlns:mc="http://schemas.openxmlformats.org/markup-compatibility/2006" xmlns:mv="urn:schemas-microsoft-com:mac:vml" xmlns:p14="http://schemas.microsoft.com/office/powerpoint/2010/main" xmlns:p="http://schemas.openxmlformats.org/presentationml/2006/main" xmlns:r="http://schemas.openxmlformats.org/officeDocument/2006/relationships" xmlns:a="http://schemas.openxmlformats.org/drawingml/2006/main" xmlns="" val="1726090686"/>
       </p:ext>
     </p:extLst>
   </p:cSld>
@@ -3142,7 +3154,7 @@
             <a:fld id="{606C60E0-BED4-4B4F-8608-BBFB7BFF5248}" type="datetimeFigureOut">
               <a:rPr lang="en-US" smtClean="0"/>
               <a:pPr/>
-              <a:t>11/2/11</a:t>
+              <a:t>11/3/11</a:t>
             </a:fld>
             <a:endParaRPr lang="en-US"/>
           </a:p>
@@ -3194,7 +3206,7 @@
     </p:spTree>
     <p:extLst>
       <p:ext uri="{BB962C8B-B14F-4D97-AF65-F5344CB8AC3E}">
-        <p14:creationId xmlns="" xmlns:a="http://schemas.openxmlformats.org/drawingml/2006/main" xmlns:r="http://schemas.openxmlformats.org/officeDocument/2006/relationships" xmlns:p="http://schemas.openxmlformats.org/presentationml/2006/main" xmlns:p14="http://schemas.microsoft.com/office/powerpoint/2010/main" xmlns:mv="urn:schemas-microsoft-com:mac:vml" xmlns:mc="http://schemas.openxmlformats.org/markup-compatibility/2006" val="1481317639"/>
+        <p14:creationId xmlns:mc="http://schemas.openxmlformats.org/markup-compatibility/2006" xmlns:mv="urn:schemas-microsoft-com:mac:vml" xmlns:p14="http://schemas.microsoft.com/office/powerpoint/2010/main" xmlns:p="http://schemas.openxmlformats.org/presentationml/2006/main" xmlns:r="http://schemas.openxmlformats.org/officeDocument/2006/relationships" xmlns:a="http://schemas.openxmlformats.org/drawingml/2006/main" xmlns="" val="1481317639"/>
       </p:ext>
     </p:extLst>
   </p:cSld>
@@ -3239,7 +3251,7 @@
             <a:fld id="{606C60E0-BED4-4B4F-8608-BBFB7BFF5248}" type="datetimeFigureOut">
               <a:rPr lang="en-US" smtClean="0"/>
               <a:pPr/>
-              <a:t>11/2/11</a:t>
+              <a:t>11/3/11</a:t>
             </a:fld>
             <a:endParaRPr lang="en-US"/>
           </a:p>
@@ -3291,7 +3303,7 @@
     </p:spTree>
     <p:extLst>
       <p:ext uri="{BB962C8B-B14F-4D97-AF65-F5344CB8AC3E}">
-        <p14:creationId xmlns="" xmlns:a="http://schemas.openxmlformats.org/drawingml/2006/main" xmlns:r="http://schemas.openxmlformats.org/officeDocument/2006/relationships" xmlns:p="http://schemas.openxmlformats.org/presentationml/2006/main" xmlns:p14="http://schemas.microsoft.com/office/powerpoint/2010/main" xmlns:mv="urn:schemas-microsoft-com:mac:vml" xmlns:mc="http://schemas.openxmlformats.org/markup-compatibility/2006" val="1510608883"/>
+        <p14:creationId xmlns:mc="http://schemas.openxmlformats.org/markup-compatibility/2006" xmlns:mv="urn:schemas-microsoft-com:mac:vml" xmlns:p14="http://schemas.microsoft.com/office/powerpoint/2010/main" xmlns:p="http://schemas.openxmlformats.org/presentationml/2006/main" xmlns:r="http://schemas.openxmlformats.org/officeDocument/2006/relationships" xmlns:a="http://schemas.openxmlformats.org/drawingml/2006/main" xmlns="" val="1510608883"/>
       </p:ext>
     </p:extLst>
   </p:cSld>
@@ -3518,7 +3530,7 @@
             <a:fld id="{606C60E0-BED4-4B4F-8608-BBFB7BFF5248}" type="datetimeFigureOut">
               <a:rPr lang="en-US" smtClean="0"/>
               <a:pPr/>
-              <a:t>11/2/11</a:t>
+              <a:t>11/3/11</a:t>
             </a:fld>
             <a:endParaRPr lang="en-US"/>
           </a:p>
@@ -3570,7 +3582,7 @@
     </p:spTree>
     <p:extLst>
       <p:ext uri="{BB962C8B-B14F-4D97-AF65-F5344CB8AC3E}">
-        <p14:creationId xmlns="" xmlns:a="http://schemas.openxmlformats.org/drawingml/2006/main" xmlns:r="http://schemas.openxmlformats.org/officeDocument/2006/relationships" xmlns:p="http://schemas.openxmlformats.org/presentationml/2006/main" xmlns:p14="http://schemas.microsoft.com/office/powerpoint/2010/main" xmlns:mv="urn:schemas-microsoft-com:mac:vml" xmlns:mc="http://schemas.openxmlformats.org/markup-compatibility/2006" val="4206787940"/>
+        <p14:creationId xmlns:mc="http://schemas.openxmlformats.org/markup-compatibility/2006" xmlns:mv="urn:schemas-microsoft-com:mac:vml" xmlns:p14="http://schemas.microsoft.com/office/powerpoint/2010/main" xmlns:p="http://schemas.openxmlformats.org/presentationml/2006/main" xmlns:r="http://schemas.openxmlformats.org/officeDocument/2006/relationships" xmlns:a="http://schemas.openxmlformats.org/drawingml/2006/main" xmlns="" val="4206787940"/>
       </p:ext>
     </p:extLst>
   </p:cSld>
@@ -3773,7 +3785,7 @@
             <a:fld id="{606C60E0-BED4-4B4F-8608-BBFB7BFF5248}" type="datetimeFigureOut">
               <a:rPr lang="en-US" smtClean="0"/>
               <a:pPr/>
-              <a:t>11/2/11</a:t>
+              <a:t>11/3/11</a:t>
             </a:fld>
             <a:endParaRPr lang="en-US"/>
           </a:p>
@@ -3825,7 +3837,7 @@
     </p:spTree>
     <p:extLst>
       <p:ext uri="{BB962C8B-B14F-4D97-AF65-F5344CB8AC3E}">
-        <p14:creationId xmlns="" xmlns:a="http://schemas.openxmlformats.org/drawingml/2006/main" xmlns:r="http://schemas.openxmlformats.org/officeDocument/2006/relationships" xmlns:p="http://schemas.openxmlformats.org/presentationml/2006/main" xmlns:p14="http://schemas.microsoft.com/office/powerpoint/2010/main" xmlns:mv="urn:schemas-microsoft-com:mac:vml" xmlns:mc="http://schemas.openxmlformats.org/markup-compatibility/2006" val="1166679403"/>
+        <p14:creationId xmlns:mc="http://schemas.openxmlformats.org/markup-compatibility/2006" xmlns:mv="urn:schemas-microsoft-com:mac:vml" xmlns:p14="http://schemas.microsoft.com/office/powerpoint/2010/main" xmlns:p="http://schemas.openxmlformats.org/presentationml/2006/main" xmlns:r="http://schemas.openxmlformats.org/officeDocument/2006/relationships" xmlns:a="http://schemas.openxmlformats.org/drawingml/2006/main" xmlns="" val="1166679403"/>
       </p:ext>
     </p:extLst>
   </p:cSld>
@@ -3988,7 +4000,7 @@
             <a:fld id="{606C60E0-BED4-4B4F-8608-BBFB7BFF5248}" type="datetimeFigureOut">
               <a:rPr lang="en-US" smtClean="0"/>
               <a:pPr/>
-              <a:t>11/2/11</a:t>
+              <a:t>11/3/11</a:t>
             </a:fld>
             <a:endParaRPr lang="en-US"/>
           </a:p>
@@ -4076,7 +4088,7 @@
     </p:spTree>
     <p:extLst>
       <p:ext uri="{BB962C8B-B14F-4D97-AF65-F5344CB8AC3E}">
-        <p14:creationId xmlns="" xmlns:a="http://schemas.openxmlformats.org/drawingml/2006/main" xmlns:r="http://schemas.openxmlformats.org/officeDocument/2006/relationships" xmlns:p="http://schemas.openxmlformats.org/presentationml/2006/main" xmlns:p14="http://schemas.microsoft.com/office/powerpoint/2010/main" xmlns:mv="urn:schemas-microsoft-com:mac:vml" xmlns:mc="http://schemas.openxmlformats.org/markup-compatibility/2006" val="2015417424"/>
+        <p14:creationId xmlns:mc="http://schemas.openxmlformats.org/markup-compatibility/2006" xmlns:mv="urn:schemas-microsoft-com:mac:vml" xmlns:p14="http://schemas.microsoft.com/office/powerpoint/2010/main" xmlns:p="http://schemas.openxmlformats.org/presentationml/2006/main" xmlns:r="http://schemas.openxmlformats.org/officeDocument/2006/relationships" xmlns:a="http://schemas.openxmlformats.org/drawingml/2006/main" xmlns="" val="2015417424"/>
       </p:ext>
     </p:extLst>
   </p:cSld>
@@ -4432,7 +4444,7 @@
     </p:spTree>
     <p:extLst>
       <p:ext uri="{BB962C8B-B14F-4D97-AF65-F5344CB8AC3E}">
-        <p14:creationId xmlns="" xmlns:a="http://schemas.openxmlformats.org/drawingml/2006/main" xmlns:r="http://schemas.openxmlformats.org/officeDocument/2006/relationships" xmlns:p="http://schemas.openxmlformats.org/presentationml/2006/main" xmlns:p14="http://schemas.microsoft.com/office/powerpoint/2010/main" xmlns:mv="urn:schemas-microsoft-com:mac:vml" xmlns:mc="http://schemas.openxmlformats.org/markup-compatibility/2006" val="2286542096"/>
+        <p14:creationId xmlns:mc="http://schemas.openxmlformats.org/markup-compatibility/2006" xmlns:mv="urn:schemas-microsoft-com:mac:vml" xmlns:p14="http://schemas.microsoft.com/office/powerpoint/2010/main" xmlns:p="http://schemas.openxmlformats.org/presentationml/2006/main" xmlns:r="http://schemas.openxmlformats.org/officeDocument/2006/relationships" xmlns:a="http://schemas.openxmlformats.org/drawingml/2006/main" xmlns="" val="2286542096"/>
       </p:ext>
     </p:extLst>
   </p:cSld>
@@ -4508,7 +4520,6 @@
               <a:rPr lang="en-US" dirty="0" smtClean="0"/>
               <a:t>New IRB submitted</a:t>
             </a:r>
-            <a:endParaRPr lang="en-US" dirty="0" smtClean="0"/>
           </a:p>
           <a:p>
             <a:r>
@@ -4519,15 +4530,7 @@
           <a:p>
             <a:r>
               <a:rPr lang="en-US" dirty="0" smtClean="0"/>
-              <a:t>Plan to pilot </a:t>
-            </a:r>
-            <a:r>
-              <a:rPr lang="en-US" dirty="0" smtClean="0"/>
-              <a:t>on our friends while waiting for </a:t>
-            </a:r>
-            <a:r>
-              <a:rPr lang="en-US" dirty="0" smtClean="0"/>
-              <a:t>IRB</a:t>
+              <a:t>Plan to pilot on our friends while waiting for IRB</a:t>
             </a:r>
           </a:p>
           <a:p>
@@ -4543,7 +4546,7 @@
     </p:spTree>
     <p:extLst>
       <p:ext uri="{BB962C8B-B14F-4D97-AF65-F5344CB8AC3E}">
-        <p14:creationId xmlns="" xmlns:a="http://schemas.openxmlformats.org/drawingml/2006/main" xmlns:r="http://schemas.openxmlformats.org/officeDocument/2006/relationships" xmlns:p="http://schemas.openxmlformats.org/presentationml/2006/main" xmlns:p14="http://schemas.microsoft.com/office/powerpoint/2010/main" xmlns:mv="urn:schemas-microsoft-com:mac:vml" xmlns:mc="http://schemas.openxmlformats.org/markup-compatibility/2006" val="3866864876"/>
+        <p14:creationId xmlns:mc="http://schemas.openxmlformats.org/markup-compatibility/2006" xmlns:mv="urn:schemas-microsoft-com:mac:vml" xmlns:p14="http://schemas.microsoft.com/office/powerpoint/2010/main" xmlns:p="http://schemas.openxmlformats.org/presentationml/2006/main" xmlns:r="http://schemas.openxmlformats.org/officeDocument/2006/relationships" xmlns:a="http://schemas.openxmlformats.org/drawingml/2006/main" xmlns="" val="3866864876"/>
       </p:ext>
     </p:extLst>
   </p:cSld>
@@ -4684,11 +4687,7 @@
             <a:pPr lvl="1"/>
             <a:r>
               <a:rPr lang="en-US" dirty="0" smtClean="0"/>
-              <a:t>Friends that</a:t>
-            </a:r>
-            <a:r>
-              <a:rPr lang="en-US" dirty="0" smtClean="0"/>
-              <a:t> promote sharing</a:t>
+              <a:t>Friends that promote sharing</a:t>
             </a:r>
           </a:p>
           <a:p>
@@ -4709,7 +4708,7 @@
     </p:spTree>
     <p:extLst>
       <p:ext uri="{BB962C8B-B14F-4D97-AF65-F5344CB8AC3E}">
-        <p14:creationId xmlns="" xmlns:a="http://schemas.openxmlformats.org/drawingml/2006/main" xmlns:r="http://schemas.openxmlformats.org/officeDocument/2006/relationships" xmlns:p="http://schemas.openxmlformats.org/presentationml/2006/main" xmlns:p14="http://schemas.microsoft.com/office/powerpoint/2010/main" xmlns:mv="urn:schemas-microsoft-com:mac:vml" xmlns:mc="http://schemas.openxmlformats.org/markup-compatibility/2006" val="1931632301"/>
+        <p14:creationId xmlns:mc="http://schemas.openxmlformats.org/markup-compatibility/2006" xmlns:mv="urn:schemas-microsoft-com:mac:vml" xmlns:p14="http://schemas.microsoft.com/office/powerpoint/2010/main" xmlns:p="http://schemas.openxmlformats.org/presentationml/2006/main" xmlns:r="http://schemas.openxmlformats.org/officeDocument/2006/relationships" xmlns:a="http://schemas.openxmlformats.org/drawingml/2006/main" xmlns="" val="1931632301"/>
       </p:ext>
     </p:extLst>
   </p:cSld>
@@ -4814,7 +4813,7 @@
     </p:spTree>
     <p:extLst>
       <p:ext uri="{BB962C8B-B14F-4D97-AF65-F5344CB8AC3E}">
-        <p14:creationId xmlns="" xmlns:a="http://schemas.openxmlformats.org/drawingml/2006/main" xmlns:r="http://schemas.openxmlformats.org/officeDocument/2006/relationships" xmlns:p="http://schemas.openxmlformats.org/presentationml/2006/main" xmlns:p14="http://schemas.microsoft.com/office/powerpoint/2010/main" xmlns:mv="urn:schemas-microsoft-com:mac:vml" xmlns:mc="http://schemas.openxmlformats.org/markup-compatibility/2006" val="3575178694"/>
+        <p14:creationId xmlns:mc="http://schemas.openxmlformats.org/markup-compatibility/2006" xmlns:mv="urn:schemas-microsoft-com:mac:vml" xmlns:p14="http://schemas.microsoft.com/office/powerpoint/2010/main" xmlns:p="http://schemas.openxmlformats.org/presentationml/2006/main" xmlns:r="http://schemas.openxmlformats.org/officeDocument/2006/relationships" xmlns:a="http://schemas.openxmlformats.org/drawingml/2006/main" xmlns="" val="3575178694"/>
       </p:ext>
     </p:extLst>
   </p:cSld>
@@ -5167,11 +5166,7 @@
           <a:p>
             <a:r>
               <a:rPr lang="en-US" dirty="0" smtClean="0"/>
-              <a:t>Target 7-10 </a:t>
-            </a:r>
-            <a:r>
-              <a:rPr lang="en-US" dirty="0" smtClean="0"/>
-              <a:t>participants</a:t>
+              <a:t>Target 7-10 participants</a:t>
             </a:r>
           </a:p>
           <a:p>
@@ -5233,7 +5228,7 @@
     </p:spTree>
     <p:extLst>
       <p:ext uri="{BB962C8B-B14F-4D97-AF65-F5344CB8AC3E}">
-        <p14:creationId xmlns="" xmlns:a="http://schemas.openxmlformats.org/drawingml/2006/main" xmlns:r="http://schemas.openxmlformats.org/officeDocument/2006/relationships" xmlns:p="http://schemas.openxmlformats.org/presentationml/2006/main" xmlns:p14="http://schemas.microsoft.com/office/powerpoint/2010/main" xmlns:mv="urn:schemas-microsoft-com:mac:vml" xmlns:mc="http://schemas.openxmlformats.org/markup-compatibility/2006" val="3575178694"/>
+        <p14:creationId xmlns:mc="http://schemas.openxmlformats.org/markup-compatibility/2006" xmlns:mv="urn:schemas-microsoft-com:mac:vml" xmlns:p14="http://schemas.microsoft.com/office/powerpoint/2010/main" xmlns:p="http://schemas.openxmlformats.org/presentationml/2006/main" xmlns:r="http://schemas.openxmlformats.org/officeDocument/2006/relationships" xmlns:a="http://schemas.openxmlformats.org/drawingml/2006/main" xmlns="" val="3575178694"/>
       </p:ext>
     </p:extLst>
   </p:cSld>
@@ -5309,23 +5304,22 @@
           <a:p>
             <a:r>
               <a:rPr lang="en-US" dirty="0" smtClean="0"/>
-              <a:t>Participants describe content </a:t>
-            </a:r>
-            <a:r>
-              <a:rPr lang="en-US" dirty="0" smtClean="0"/>
-              <a:t>that they think about sharing with friends but decide </a:t>
-            </a:r>
-            <a:r>
-              <a:rPr lang="en-US" dirty="0" smtClean="0"/>
-              <a:t>not to</a:t>
-            </a:r>
-            <a:r>
-              <a:rPr lang="en-US" dirty="0" smtClean="0"/>
-              <a:t> </a:t>
-            </a:r>
-            <a:r>
-              <a:rPr lang="en-US" dirty="0" smtClean="0"/>
-              <a:t>post on </a:t>
+              <a:t>Week-long, </a:t>
+            </a:r>
+            <a:r>
+              <a:rPr lang="en-US" dirty="0" smtClean="0"/>
+              <a:t>real-time</a:t>
+            </a:r>
+            <a:endParaRPr lang="en-US" dirty="0" smtClean="0"/>
+          </a:p>
+          <a:p>
+            <a:r>
+              <a:rPr lang="en-US" dirty="0" smtClean="0"/>
+              <a:t>Participants </a:t>
+            </a:r>
+            <a:r>
+              <a:rPr lang="en-US" dirty="0" smtClean="0"/>
+              <a:t>describe content that they think about sharing with friends but decide not to post on </a:t>
             </a:r>
             <a:r>
               <a:rPr lang="en-US" dirty="0" err="1" smtClean="0"/>
@@ -5334,33 +5328,9 @@
             <a:endParaRPr lang="en-US" dirty="0" smtClean="0"/>
           </a:p>
           <a:p>
-            <a:pPr lvl="1"/>
-            <a:r>
-              <a:rPr lang="en-US" dirty="0" smtClean="0"/>
-              <a:t>Receive instructions at beginning of study</a:t>
-            </a:r>
-            <a:endParaRPr lang="en-US" dirty="0" smtClean="0"/>
-          </a:p>
-          <a:p>
-            <a:pPr lvl="1"/>
-            <a:r>
-              <a:rPr lang="en-US" dirty="0" smtClean="0"/>
-              <a:t>Send as text messages real</a:t>
-            </a:r>
-            <a:r>
-              <a:rPr lang="en-US" dirty="0" smtClean="0"/>
-              <a:t>-</a:t>
-            </a:r>
-            <a:r>
-              <a:rPr lang="en-US" dirty="0" smtClean="0"/>
-              <a:t>time</a:t>
-            </a:r>
-          </a:p>
-          <a:p>
-            <a:pPr lvl="1"/>
-            <a:r>
-              <a:rPr lang="en-US" dirty="0" smtClean="0"/>
-              <a:t>Week long</a:t>
+            <a:r>
+              <a:rPr lang="en-US" dirty="0" smtClean="0"/>
+              <a:t>Send as text messages</a:t>
             </a:r>
             <a:endParaRPr lang="en-US" dirty="0" smtClean="0"/>
           </a:p>
@@ -5373,7 +5343,7 @@
     </p:spTree>
     <p:extLst>
       <p:ext uri="{BB962C8B-B14F-4D97-AF65-F5344CB8AC3E}">
-        <p14:creationId xmlns="" xmlns:a="http://schemas.openxmlformats.org/drawingml/2006/main" xmlns:r="http://schemas.openxmlformats.org/officeDocument/2006/relationships" xmlns:p="http://schemas.openxmlformats.org/presentationml/2006/main" xmlns:p14="http://schemas.microsoft.com/office/powerpoint/2010/main" xmlns:mv="urn:schemas-microsoft-com:mac:vml" xmlns:mc="http://schemas.openxmlformats.org/markup-compatibility/2006" val="2885542801"/>
+        <p14:creationId xmlns:mc="http://schemas.openxmlformats.org/markup-compatibility/2006" xmlns:mv="urn:schemas-microsoft-com:mac:vml" xmlns:p14="http://schemas.microsoft.com/office/powerpoint/2010/main" xmlns:p="http://schemas.openxmlformats.org/presentationml/2006/main" xmlns:r="http://schemas.openxmlformats.org/officeDocument/2006/relationships" xmlns:a="http://schemas.openxmlformats.org/drawingml/2006/main" xmlns="" val="2885542801"/>
       </p:ext>
     </p:extLst>
   </p:cSld>
@@ -5449,22 +5419,14 @@
           <a:p>
             <a:r>
               <a:rPr lang="en-US" dirty="0" smtClean="0"/>
-              <a:t>Nightly </a:t>
-            </a:r>
-            <a:r>
-              <a:rPr lang="en-US" dirty="0" smtClean="0"/>
-              <a:t>online surveys to gather detailed information on texts</a:t>
+              <a:t>Nightly online surveys to gather detailed information on texts</a:t>
             </a:r>
           </a:p>
           <a:p>
             <a:pPr lvl="1"/>
             <a:r>
               <a:rPr lang="en-US" dirty="0" smtClean="0"/>
-              <a:t>Probe on privacy </a:t>
-            </a:r>
-            <a:r>
-              <a:rPr lang="en-US" dirty="0" smtClean="0"/>
-              <a:t>decisions</a:t>
+              <a:t>Probe on privacy decisions</a:t>
             </a:r>
           </a:p>
           <a:p>
@@ -5519,7 +5481,7 @@
     </p:spTree>
     <p:extLst>
       <p:ext uri="{BB962C8B-B14F-4D97-AF65-F5344CB8AC3E}">
-        <p14:creationId xmlns="" xmlns:a="http://schemas.openxmlformats.org/drawingml/2006/main" xmlns:r="http://schemas.openxmlformats.org/officeDocument/2006/relationships" xmlns:p="http://schemas.openxmlformats.org/presentationml/2006/main" xmlns:p14="http://schemas.microsoft.com/office/powerpoint/2010/main" xmlns:mv="urn:schemas-microsoft-com:mac:vml" xmlns:mc="http://schemas.openxmlformats.org/markup-compatibility/2006" val="2885542801"/>
+        <p14:creationId xmlns:mc="http://schemas.openxmlformats.org/markup-compatibility/2006" xmlns:mv="urn:schemas-microsoft-com:mac:vml" xmlns:p14="http://schemas.microsoft.com/office/powerpoint/2010/main" xmlns:p="http://schemas.openxmlformats.org/presentationml/2006/main" xmlns:r="http://schemas.openxmlformats.org/officeDocument/2006/relationships" xmlns:a="http://schemas.openxmlformats.org/drawingml/2006/main" xmlns="" val="2885542801"/>
       </p:ext>
     </p:extLst>
   </p:cSld>
@@ -5597,43 +5559,31 @@
               <a:rPr lang="en-US" dirty="0" smtClean="0"/>
               <a:t>Lab-based semi-structured interview</a:t>
             </a:r>
-            <a:endParaRPr lang="en-US" dirty="0" smtClean="0"/>
-          </a:p>
-          <a:p>
-            <a:r>
-              <a:rPr lang="en-US" dirty="0" smtClean="0"/>
-              <a:t>Delve into </a:t>
-            </a:r>
-            <a:r>
-              <a:rPr lang="en-US" dirty="0" smtClean="0"/>
-              <a:t>results of online surveys</a:t>
-            </a:r>
-            <a:endParaRPr lang="en-US" dirty="0" smtClean="0"/>
-          </a:p>
-          <a:p>
-            <a:r>
-              <a:rPr lang="en-US" dirty="0" smtClean="0"/>
-              <a:t>Probe </a:t>
-            </a:r>
-            <a:r>
-              <a:rPr lang="en-US" dirty="0" smtClean="0"/>
-              <a:t>on social network usage</a:t>
-            </a:r>
-            <a:endParaRPr lang="en-US" dirty="0" smtClean="0"/>
+          </a:p>
+          <a:p>
+            <a:r>
+              <a:rPr lang="en-US" dirty="0" smtClean="0"/>
+              <a:t>Delve into results of online surveys</a:t>
+            </a:r>
+          </a:p>
+          <a:p>
+            <a:r>
+              <a:rPr lang="en-US" dirty="0" smtClean="0"/>
+              <a:t>Probe on social network usage</a:t>
+            </a:r>
           </a:p>
           <a:p>
             <a:r>
               <a:rPr lang="en-US" dirty="0" smtClean="0"/>
               <a:t>Pay $20 for interview</a:t>
             </a:r>
-            <a:endParaRPr lang="en-US" dirty="0" smtClean="0"/>
           </a:p>
         </p:txBody>
       </p:sp>
     </p:spTree>
     <p:extLst>
       <p:ext uri="{BB962C8B-B14F-4D97-AF65-F5344CB8AC3E}">
-        <p14:creationId xmlns="" xmlns:a="http://schemas.openxmlformats.org/drawingml/2006/main" xmlns:r="http://schemas.openxmlformats.org/officeDocument/2006/relationships" xmlns:p="http://schemas.openxmlformats.org/presentationml/2006/main" xmlns:p14="http://schemas.microsoft.com/office/powerpoint/2010/main" xmlns:mv="urn:schemas-microsoft-com:mac:vml" xmlns:mc="http://schemas.openxmlformats.org/markup-compatibility/2006" val="2885542801"/>
+        <p14:creationId xmlns:mc="http://schemas.openxmlformats.org/markup-compatibility/2006" xmlns:mv="urn:schemas-microsoft-com:mac:vml" xmlns:p14="http://schemas.microsoft.com/office/powerpoint/2010/main" xmlns:p="http://schemas.openxmlformats.org/presentationml/2006/main" xmlns:r="http://schemas.openxmlformats.org/officeDocument/2006/relationships" xmlns:a="http://schemas.openxmlformats.org/drawingml/2006/main" xmlns="" val="2885542801"/>
       </p:ext>
     </p:extLst>
   </p:cSld>
@@ -5717,7 +5667,7 @@
     </p:spTree>
     <p:extLst>
       <p:ext uri="{BB962C8B-B14F-4D97-AF65-F5344CB8AC3E}">
-        <p14:creationId xmlns="" xmlns:a="http://schemas.openxmlformats.org/drawingml/2006/main" xmlns:r="http://schemas.openxmlformats.org/officeDocument/2006/relationships" xmlns:p="http://schemas.openxmlformats.org/presentationml/2006/main" xmlns:p14="http://schemas.microsoft.com/office/powerpoint/2010/main" xmlns:mv="urn:schemas-microsoft-com:mac:vml" xmlns:mc="http://schemas.openxmlformats.org/markup-compatibility/2006" val="2885542801"/>
+        <p14:creationId xmlns:mc="http://schemas.openxmlformats.org/markup-compatibility/2006" xmlns:mv="urn:schemas-microsoft-com:mac:vml" xmlns:p14="http://schemas.microsoft.com/office/powerpoint/2010/main" xmlns:p="http://schemas.openxmlformats.org/presentationml/2006/main" xmlns:r="http://schemas.openxmlformats.org/officeDocument/2006/relationships" xmlns:a="http://schemas.openxmlformats.org/drawingml/2006/main" xmlns="" val="2885542801"/>
       </p:ext>
     </p:extLst>
   </p:cSld>
